--- a/RAL/msg_presentation.pptx
+++ b/RAL/msg_presentation.pptx
@@ -5,10 +5,10 @@
     <p:sldMasterId id="2147483648" r:id="rId1"/>
   </p:sldMasterIdLst>
   <p:notesMasterIdLst>
-    <p:notesMasterId r:id="rId17"/>
+    <p:notesMasterId r:id="rId18"/>
   </p:notesMasterIdLst>
   <p:handoutMasterIdLst>
-    <p:handoutMasterId r:id="rId18"/>
+    <p:handoutMasterId r:id="rId19"/>
   </p:handoutMasterIdLst>
   <p:sldIdLst>
     <p:sldId id="256" r:id="rId2"/>
@@ -25,9 +25,10 @@
     <p:sldId id="267" r:id="rId13"/>
     <p:sldId id="268" r:id="rId14"/>
     <p:sldId id="269" r:id="rId15"/>
-    <p:sldId id="270" r:id="rId16"/>
+    <p:sldId id="271" r:id="rId16"/>
+    <p:sldId id="270" r:id="rId17"/>
   </p:sldIdLst>
-  <p:sldSz cx="10080625" cy="7559675" type="screen4x3"/>
+  <p:sldSz cx="10080625" cy="7559675"/>
   <p:notesSz cx="7559675" cy="10691813"/>
   <p:defaultTextStyle>
     <a:defPPr>
@@ -1213,6 +1214,76 @@
 </p:notes>
 </file>
 
+<file path=ppt/notesSlides/notesSlide16.xml><?xml version="1.0" encoding="utf-8"?>
+<p:notes xmlns:a="http://schemas.openxmlformats.org/drawingml/2006/main" xmlns:r="http://schemas.openxmlformats.org/officeDocument/2006/relationships" xmlns:p="http://schemas.openxmlformats.org/presentationml/2006/main">
+  <p:cSld>
+    <p:spTree>
+      <p:nvGrpSpPr>
+        <p:cNvPr id="1" name=""/>
+        <p:cNvGrpSpPr/>
+        <p:nvPr/>
+      </p:nvGrpSpPr>
+      <p:grpSpPr>
+        <a:xfrm>
+          <a:off x="0" y="0"/>
+          <a:ext cx="0" cy="0"/>
+          <a:chOff x="0" y="0"/>
+          <a:chExt cx="0" cy="0"/>
+        </a:xfrm>
+      </p:grpSpPr>
+      <p:sp>
+        <p:nvSpPr>
+          <p:cNvPr id="2" name="Slide Image Placeholder 1"/>
+          <p:cNvSpPr>
+            <a:spLocks noGrp="1" noRot="1" noChangeAspect="1" noResize="1"/>
+          </p:cNvSpPr>
+          <p:nvPr>
+            <p:ph type="sldImg"/>
+          </p:nvPr>
+        </p:nvSpPr>
+        <p:spPr>
+          <a:xfrm>
+            <a:off x="1106488" y="812800"/>
+            <a:ext cx="5345112" cy="4008438"/>
+          </a:xfrm>
+          <a:solidFill>
+            <a:srgbClr val="CFE7F5"/>
+          </a:solidFill>
+          <a:ln w="25400">
+            <a:solidFill>
+              <a:srgbClr val="808080"/>
+            </a:solidFill>
+            <a:prstDash val="solid"/>
+          </a:ln>
+        </p:spPr>
+      </p:sp>
+      <p:sp>
+        <p:nvSpPr>
+          <p:cNvPr id="3" name="Notes Placeholder 2"/>
+          <p:cNvSpPr txBox="1">
+            <a:spLocks noGrp="1"/>
+          </p:cNvSpPr>
+          <p:nvPr>
+            <p:ph type="body" sz="quarter" idx="1"/>
+          </p:nvPr>
+        </p:nvSpPr>
+        <p:spPr/>
+        <p:txBody>
+          <a:bodyPr/>
+          <a:lstStyle/>
+          <a:p>
+            <a:endParaRPr lang="en-GB"/>
+          </a:p>
+        </p:txBody>
+      </p:sp>
+    </p:spTree>
+  </p:cSld>
+  <p:clrMapOvr>
+    <a:masterClrMapping/>
+  </p:clrMapOvr>
+</p:notes>
+</file>
+
 <file path=ppt/notesSlides/notesSlide2.xml><?xml version="1.0" encoding="utf-8"?>
 <p:notes xmlns:a="http://schemas.openxmlformats.org/drawingml/2006/main" xmlns:r="http://schemas.openxmlformats.org/officeDocument/2006/relationships" xmlns:p="http://schemas.openxmlformats.org/presentationml/2006/main">
   <p:cSld>
@@ -2010,11 +2081,11 @@
   <p:clrMapOvr>
     <a:masterClrMapping/>
   </p:clrMapOvr>
-  <mc:AlternateContent xmlns:mc="http://schemas.openxmlformats.org/markup-compatibility/2006">
-    <mc:Choice xmlns:p14="http://schemas.microsoft.com/office/powerpoint/2010/main" Requires="p14">
+  <mc:AlternateContent xmlns:mc="http://schemas.openxmlformats.org/markup-compatibility/2006" xmlns:p14="http://schemas.microsoft.com/office/powerpoint/2010/main">
+    <mc:Choice Requires="p14">
       <p:transition spd="slow" p14:dur="2000"/>
     </mc:Choice>
-    <mc:Fallback>
+    <mc:Fallback xmlns="">
       <p:transition spd="slow"/>
     </mc:Fallback>
   </mc:AlternateContent>
@@ -2186,11 +2257,11 @@
   <p:clrMapOvr>
     <a:masterClrMapping/>
   </p:clrMapOvr>
-  <mc:AlternateContent xmlns:mc="http://schemas.openxmlformats.org/markup-compatibility/2006">
-    <mc:Choice xmlns:p14="http://schemas.microsoft.com/office/powerpoint/2010/main" Requires="p14">
+  <mc:AlternateContent xmlns:mc="http://schemas.openxmlformats.org/markup-compatibility/2006" xmlns:p14="http://schemas.microsoft.com/office/powerpoint/2010/main">
+    <mc:Choice Requires="p14">
       <p:transition spd="slow" p14:dur="2000"/>
     </mc:Choice>
-    <mc:Fallback>
+    <mc:Fallback xmlns="">
       <p:transition spd="slow"/>
     </mc:Fallback>
   </mc:AlternateContent>
@@ -2372,11 +2443,11 @@
   <p:clrMapOvr>
     <a:masterClrMapping/>
   </p:clrMapOvr>
-  <mc:AlternateContent xmlns:mc="http://schemas.openxmlformats.org/markup-compatibility/2006">
-    <mc:Choice xmlns:p14="http://schemas.microsoft.com/office/powerpoint/2010/main" Requires="p14">
+  <mc:AlternateContent xmlns:mc="http://schemas.openxmlformats.org/markup-compatibility/2006" xmlns:p14="http://schemas.microsoft.com/office/powerpoint/2010/main">
+    <mc:Choice Requires="p14">
       <p:transition spd="slow" p14:dur="2000"/>
     </mc:Choice>
-    <mc:Fallback>
+    <mc:Fallback xmlns="">
       <p:transition spd="slow"/>
     </mc:Fallback>
   </mc:AlternateContent>
@@ -2548,11 +2619,11 @@
   <p:clrMapOvr>
     <a:masterClrMapping/>
   </p:clrMapOvr>
-  <mc:AlternateContent xmlns:mc="http://schemas.openxmlformats.org/markup-compatibility/2006">
-    <mc:Choice xmlns:p14="http://schemas.microsoft.com/office/powerpoint/2010/main" Requires="p14">
+  <mc:AlternateContent xmlns:mc="http://schemas.openxmlformats.org/markup-compatibility/2006" xmlns:p14="http://schemas.microsoft.com/office/powerpoint/2010/main">
+    <mc:Choice Requires="p14">
       <p:transition spd="slow" p14:dur="2000"/>
     </mc:Choice>
-    <mc:Fallback>
+    <mc:Fallback xmlns="">
       <p:transition spd="slow"/>
     </mc:Fallback>
   </mc:AlternateContent>
@@ -2800,11 +2871,11 @@
   <p:clrMapOvr>
     <a:masterClrMapping/>
   </p:clrMapOvr>
-  <mc:AlternateContent xmlns:mc="http://schemas.openxmlformats.org/markup-compatibility/2006">
-    <mc:Choice xmlns:p14="http://schemas.microsoft.com/office/powerpoint/2010/main" Requires="p14">
+  <mc:AlternateContent xmlns:mc="http://schemas.openxmlformats.org/markup-compatibility/2006" xmlns:p14="http://schemas.microsoft.com/office/powerpoint/2010/main">
+    <mc:Choice Requires="p14">
       <p:transition spd="slow" p14:dur="2000"/>
     </mc:Choice>
-    <mc:Fallback>
+    <mc:Fallback xmlns="">
       <p:transition spd="slow"/>
     </mc:Fallback>
   </mc:AlternateContent>
@@ -3094,11 +3165,11 @@
   <p:clrMapOvr>
     <a:masterClrMapping/>
   </p:clrMapOvr>
-  <mc:AlternateContent xmlns:mc="http://schemas.openxmlformats.org/markup-compatibility/2006">
-    <mc:Choice xmlns:p14="http://schemas.microsoft.com/office/powerpoint/2010/main" Requires="p14">
+  <mc:AlternateContent xmlns:mc="http://schemas.openxmlformats.org/markup-compatibility/2006" xmlns:p14="http://schemas.microsoft.com/office/powerpoint/2010/main">
+    <mc:Choice Requires="p14">
       <p:transition spd="slow" p14:dur="2000"/>
     </mc:Choice>
-    <mc:Fallback>
+    <mc:Fallback xmlns="">
       <p:transition spd="slow"/>
     </mc:Fallback>
   </mc:AlternateContent>
@@ -3527,11 +3598,11 @@
   <p:clrMapOvr>
     <a:masterClrMapping/>
   </p:clrMapOvr>
-  <mc:AlternateContent xmlns:mc="http://schemas.openxmlformats.org/markup-compatibility/2006">
-    <mc:Choice xmlns:p14="http://schemas.microsoft.com/office/powerpoint/2010/main" Requires="p14">
+  <mc:AlternateContent xmlns:mc="http://schemas.openxmlformats.org/markup-compatibility/2006" xmlns:p14="http://schemas.microsoft.com/office/powerpoint/2010/main">
+    <mc:Choice Requires="p14">
       <p:transition spd="slow" p14:dur="2000"/>
     </mc:Choice>
-    <mc:Fallback>
+    <mc:Fallback xmlns="">
       <p:transition spd="slow"/>
     </mc:Fallback>
   </mc:AlternateContent>
@@ -3651,11 +3722,11 @@
   <p:clrMapOvr>
     <a:masterClrMapping/>
   </p:clrMapOvr>
-  <mc:AlternateContent xmlns:mc="http://schemas.openxmlformats.org/markup-compatibility/2006">
-    <mc:Choice xmlns:p14="http://schemas.microsoft.com/office/powerpoint/2010/main" Requires="p14">
+  <mc:AlternateContent xmlns:mc="http://schemas.openxmlformats.org/markup-compatibility/2006" xmlns:p14="http://schemas.microsoft.com/office/powerpoint/2010/main">
+    <mc:Choice Requires="p14">
       <p:transition spd="slow" p14:dur="2000"/>
     </mc:Choice>
-    <mc:Fallback>
+    <mc:Fallback xmlns="">
       <p:transition spd="slow"/>
     </mc:Fallback>
   </mc:AlternateContent>
@@ -3752,11 +3823,11 @@
   <p:clrMapOvr>
     <a:masterClrMapping/>
   </p:clrMapOvr>
-  <mc:AlternateContent xmlns:mc="http://schemas.openxmlformats.org/markup-compatibility/2006">
-    <mc:Choice xmlns:p14="http://schemas.microsoft.com/office/powerpoint/2010/main" Requires="p14">
+  <mc:AlternateContent xmlns:mc="http://schemas.openxmlformats.org/markup-compatibility/2006" xmlns:p14="http://schemas.microsoft.com/office/powerpoint/2010/main">
+    <mc:Choice Requires="p14">
       <p:transition spd="slow" p14:dur="2000"/>
     </mc:Choice>
-    <mc:Fallback>
+    <mc:Fallback xmlns="">
       <p:transition spd="slow"/>
     </mc:Fallback>
   </mc:AlternateContent>
@@ -4036,11 +4107,11 @@
   <p:clrMapOvr>
     <a:masterClrMapping/>
   </p:clrMapOvr>
-  <mc:AlternateContent xmlns:mc="http://schemas.openxmlformats.org/markup-compatibility/2006">
-    <mc:Choice xmlns:p14="http://schemas.microsoft.com/office/powerpoint/2010/main" Requires="p14">
+  <mc:AlternateContent xmlns:mc="http://schemas.openxmlformats.org/markup-compatibility/2006" xmlns:p14="http://schemas.microsoft.com/office/powerpoint/2010/main">
+    <mc:Choice Requires="p14">
       <p:transition spd="slow" p14:dur="2000"/>
     </mc:Choice>
-    <mc:Fallback>
+    <mc:Fallback xmlns="">
       <p:transition spd="slow"/>
     </mc:Fallback>
   </mc:AlternateContent>
@@ -4295,11 +4366,11 @@
   <p:clrMapOvr>
     <a:masterClrMapping/>
   </p:clrMapOvr>
-  <mc:AlternateContent xmlns:mc="http://schemas.openxmlformats.org/markup-compatibility/2006">
-    <mc:Choice xmlns:p14="http://schemas.microsoft.com/office/powerpoint/2010/main" Requires="p14">
+  <mc:AlternateContent xmlns:mc="http://schemas.openxmlformats.org/markup-compatibility/2006" xmlns:p14="http://schemas.microsoft.com/office/powerpoint/2010/main">
+    <mc:Choice Requires="p14">
       <p:transition spd="slow" p14:dur="2000"/>
     </mc:Choice>
-    <mc:Fallback>
+    <mc:Fallback xmlns="">
       <p:transition spd="slow"/>
     </mc:Fallback>
   </mc:AlternateContent>
@@ -4811,11 +4882,11 @@
     <p:sldLayoutId id="2147483658" r:id="rId10"/>
     <p:sldLayoutId id="2147483659" r:id="rId11"/>
   </p:sldLayoutIdLst>
-  <mc:AlternateContent xmlns:mc="http://schemas.openxmlformats.org/markup-compatibility/2006">
-    <mc:Choice xmlns:p14="http://schemas.microsoft.com/office/powerpoint/2010/main" Requires="p14">
+  <mc:AlternateContent xmlns:mc="http://schemas.openxmlformats.org/markup-compatibility/2006" xmlns:p14="http://schemas.microsoft.com/office/powerpoint/2010/main">
+    <mc:Choice Requires="p14">
       <p:transition spd="slow" p14:dur="2000"/>
     </mc:Choice>
-    <mc:Fallback>
+    <mc:Fallback xmlns="">
       <p:transition spd="slow"/>
     </mc:Fallback>
   </mc:AlternateContent>
@@ -4967,11 +5038,11 @@
   <p:clrMapOvr>
     <a:masterClrMapping/>
   </p:clrMapOvr>
-  <mc:AlternateContent xmlns:mc="http://schemas.openxmlformats.org/markup-compatibility/2006">
-    <mc:Choice xmlns:p14="http://schemas.microsoft.com/office/powerpoint/2010/main" Requires="p14">
+  <mc:AlternateContent xmlns:mc="http://schemas.openxmlformats.org/markup-compatibility/2006" xmlns:p14="http://schemas.microsoft.com/office/powerpoint/2010/main">
+    <mc:Choice Requires="p14">
       <p:transition spd="slow" p14:dur="2000"/>
     </mc:Choice>
-    <mc:Fallback>
+    <mc:Fallback xmlns="">
       <p:transition spd="slow"/>
     </mc:Fallback>
   </mc:AlternateContent>
@@ -5072,9 +5143,10 @@
               <a:buNone/>
             </a:pPr>
             <a:r>
-              <a:rPr lang="en-GB"/>
-              <a:t>JumpFit</a:t>
-            </a:r>
+              <a:rPr lang="en-GB" dirty="0" smtClean="0"/>
+              <a:t>Fit Functions</a:t>
+            </a:r>
+            <a:endParaRPr lang="en-GB" dirty="0"/>
           </a:p>
         </p:txBody>
       </p:sp>
@@ -5088,7 +5160,12 @@
             <p:ph type="body" idx="4294967295"/>
           </p:nvPr>
         </p:nvSpPr>
-        <p:spPr/>
+        <p:spPr>
+          <a:xfrm>
+            <a:off x="287785" y="1763613"/>
+            <a:ext cx="5832648" cy="4384800"/>
+          </a:xfrm>
+        </p:spPr>
         <p:txBody>
           <a:bodyPr/>
           <a:lstStyle>
@@ -5284,56 +5361,38 @@
             </a:lvl9pPr>
           </a:lstStyle>
           <a:p>
-            <a:pPr lvl="0"/>
-            <a:r>
-              <a:rPr lang="en-GB"/>
-              <a:t>Two new diffusion models:</a:t>
-            </a:r>
-          </a:p>
-          <a:p>
-            <a:pPr lvl="1" rtl="0" hangingPunct="0"/>
-            <a:r>
-              <a:rPr lang="en-GB"/>
-              <a:t>Fick diffusion and Teixeria Water</a:t>
-            </a:r>
-          </a:p>
-          <a:p>
-            <a:pPr lvl="1" rtl="0" hangingPunct="0"/>
-            <a:r>
-              <a:rPr lang="en-GB"/>
-              <a:t>These are now just fit functions!</a:t>
-            </a:r>
-          </a:p>
-          <a:p>
-            <a:pPr lvl="2" rtl="0" hangingPunct="0"/>
-            <a:r>
-              <a:rPr lang="en-GB"/>
-              <a:t>Can use them in the fit wizard</a:t>
-            </a:r>
-          </a:p>
-          <a:p>
-            <a:pPr lvl="2" rtl="0" hangingPunct="0"/>
-            <a:endParaRPr lang="en-GB"/>
-          </a:p>
-          <a:p>
-            <a:pPr lvl="0"/>
-            <a:r>
-              <a:rPr lang="en-GB"/>
-              <a:t>Sigwi-Sjolander renamed</a:t>
-            </a:r>
-          </a:p>
-          <a:p>
-            <a:pPr lvl="0"/>
-            <a:r>
-              <a:rPr lang="en-GB"/>
-              <a:t>to Hall-Ross</a:t>
+            <a:r>
+              <a:rPr lang="en-GB" dirty="0" smtClean="0"/>
+              <a:t>New Function:</a:t>
+            </a:r>
+          </a:p>
+          <a:p>
+            <a:pPr lvl="1"/>
+            <a:r>
+              <a:rPr lang="en-GB" dirty="0" smtClean="0"/>
+              <a:t>DFInterp1DFit</a:t>
+            </a:r>
+            <a:endParaRPr lang="en-GB" dirty="0" smtClean="0"/>
+          </a:p>
+          <a:p>
+            <a:r>
+              <a:rPr lang="en-GB" dirty="0" err="1" smtClean="0"/>
+              <a:t>Sigwi-Sjolander</a:t>
+            </a:r>
+            <a:r>
+              <a:rPr lang="en-GB" dirty="0" smtClean="0"/>
+              <a:t> renamed to </a:t>
+            </a:r>
+            <a:r>
+              <a:rPr lang="en-GB" dirty="0"/>
+              <a:t>Hall-Ross</a:t>
             </a:r>
           </a:p>
         </p:txBody>
       </p:sp>
       <p:pic>
         <p:nvPicPr>
-          <p:cNvPr id="4" name=""/>
+          <p:cNvPr id="4" name="Picture 3"/>
           <p:cNvPicPr>
             <a:picLocks noChangeAspect="1"/>
           </p:cNvPicPr>
@@ -5351,7 +5410,7 @@
         </p:blipFill>
         <p:spPr>
           <a:xfrm>
-            <a:off x="5908320" y="3384000"/>
+            <a:off x="5976416" y="1560240"/>
             <a:ext cx="3739680" cy="3647520"/>
           </a:xfrm>
           <a:prstGeom prst="rect">
@@ -5368,11 +5427,11 @@
   <p:clrMapOvr>
     <a:masterClrMapping/>
   </p:clrMapOvr>
-  <mc:AlternateContent xmlns:mc="http://schemas.openxmlformats.org/markup-compatibility/2006">
-    <mc:Choice xmlns:p14="http://schemas.microsoft.com/office/powerpoint/2010/main" Requires="p14">
+  <mc:AlternateContent xmlns:mc="http://schemas.openxmlformats.org/markup-compatibility/2006" xmlns:p14="http://schemas.microsoft.com/office/powerpoint/2010/main">
+    <mc:Choice Requires="p14">
       <p:transition spd="slow" p14:dur="2000"/>
     </mc:Choice>
-    <mc:Fallback>
+    <mc:Fallback xmlns="">
       <p:transition spd="slow"/>
     </mc:Fallback>
   </mc:AlternateContent>
@@ -5707,7 +5766,7 @@
       </p:sp>
       <p:pic>
         <p:nvPicPr>
-          <p:cNvPr id="4" name=""/>
+          <p:cNvPr id="4" name="Picture 3"/>
           <p:cNvPicPr>
             <a:picLocks noChangeAspect="1"/>
           </p:cNvPicPr>
@@ -5742,11 +5801,11 @@
   <p:clrMapOvr>
     <a:masterClrMapping/>
   </p:clrMapOvr>
-  <mc:AlternateContent xmlns:mc="http://schemas.openxmlformats.org/markup-compatibility/2006">
-    <mc:Choice xmlns:p14="http://schemas.microsoft.com/office/powerpoint/2010/main" Requires="p14">
+  <mc:AlternateContent xmlns:mc="http://schemas.openxmlformats.org/markup-compatibility/2006" xmlns:p14="http://schemas.microsoft.com/office/powerpoint/2010/main">
+    <mc:Choice Requires="p14">
       <p:transition spd="slow" p14:dur="2000"/>
     </mc:Choice>
-    <mc:Fallback>
+    <mc:Fallback xmlns="">
       <p:transition spd="slow"/>
     </mc:Fallback>
   </mc:AlternateContent>
@@ -5847,9 +5906,10 @@
               <a:buNone/>
             </a:pPr>
             <a:r>
-              <a:rPr lang="en-GB"/>
-              <a:t>nMOLDYN</a:t>
-            </a:r>
+              <a:rPr lang="en-GB" dirty="0" smtClean="0"/>
+              <a:t>Simulation</a:t>
+            </a:r>
+            <a:endParaRPr lang="en-GB" dirty="0"/>
           </a:p>
         </p:txBody>
       </p:sp>
@@ -6100,11 +6160,11 @@
   <p:clrMapOvr>
     <a:masterClrMapping/>
   </p:clrMapOvr>
-  <mc:AlternateContent xmlns:mc="http://schemas.openxmlformats.org/markup-compatibility/2006">
-    <mc:Choice xmlns:p14="http://schemas.microsoft.com/office/powerpoint/2010/main" Requires="p14">
+  <mc:AlternateContent xmlns:mc="http://schemas.openxmlformats.org/markup-compatibility/2006" xmlns:p14="http://schemas.microsoft.com/office/powerpoint/2010/main">
+    <mc:Choice Requires="p14">
       <p:transition spd="slow" p14:dur="2000"/>
     </mc:Choice>
-    <mc:Fallback>
+    <mc:Fallback xmlns="">
       <p:transition spd="slow"/>
     </mc:Fallback>
   </mc:AlternateContent>
@@ -6455,7 +6515,7 @@
       </p:sp>
       <p:pic>
         <p:nvPicPr>
-          <p:cNvPr id="4" name=""/>
+          <p:cNvPr id="4" name="Picture 3"/>
           <p:cNvPicPr>
             <a:picLocks noChangeAspect="1"/>
           </p:cNvPicPr>
@@ -6487,7 +6547,7 @@
       </p:pic>
       <p:pic>
         <p:nvPicPr>
-          <p:cNvPr id="5" name=""/>
+          <p:cNvPr id="5" name="Picture 4"/>
           <p:cNvPicPr>
             <a:picLocks noChangeAspect="1"/>
           </p:cNvPicPr>
@@ -6519,7 +6579,7 @@
       </p:pic>
       <p:pic>
         <p:nvPicPr>
-          <p:cNvPr id="6" name=""/>
+          <p:cNvPr id="6" name="Picture 5"/>
           <p:cNvPicPr>
             <a:picLocks noChangeAspect="1"/>
           </p:cNvPicPr>
@@ -6554,11 +6614,11 @@
   <p:clrMapOvr>
     <a:masterClrMapping/>
   </p:clrMapOvr>
-  <mc:AlternateContent xmlns:mc="http://schemas.openxmlformats.org/markup-compatibility/2006">
-    <mc:Choice xmlns:p14="http://schemas.microsoft.com/office/powerpoint/2010/main" Requires="p14">
+  <mc:AlternateContent xmlns:mc="http://schemas.openxmlformats.org/markup-compatibility/2006" xmlns:p14="http://schemas.microsoft.com/office/powerpoint/2010/main">
+    <mc:Choice Requires="p14">
       <p:transition spd="slow" p14:dur="2000"/>
     </mc:Choice>
-    <mc:Fallback>
+    <mc:Fallback xmlns="">
       <p:transition spd="slow"/>
     </mc:Fallback>
   </mc:AlternateContent>
@@ -6873,28 +6933,48 @@
           <a:p>
             <a:pPr lvl="0"/>
             <a:r>
-              <a:rPr lang="en-GB"/>
+              <a:rPr lang="en-GB" dirty="0"/>
               <a:t>Indirect Diffraction now works again</a:t>
             </a:r>
           </a:p>
           <a:p>
             <a:pPr lvl="0"/>
             <a:r>
-              <a:rPr lang="en-GB"/>
-              <a:t>TOSCA multiple run energy reduction fixed</a:t>
-            </a:r>
+              <a:rPr lang="en-GB" dirty="0"/>
+              <a:t>TOSCA </a:t>
+            </a:r>
+            <a:r>
+              <a:rPr lang="en-GB" dirty="0" smtClean="0"/>
+              <a:t>multi-run </a:t>
+            </a:r>
+            <a:r>
+              <a:rPr lang="en-GB" dirty="0"/>
+              <a:t>energy reduction </a:t>
+            </a:r>
+            <a:r>
+              <a:rPr lang="en-GB" dirty="0" smtClean="0"/>
+              <a:t>fixed</a:t>
+            </a:r>
+          </a:p>
+          <a:p>
+            <a:pPr lvl="1"/>
+            <a:r>
+              <a:rPr lang="en-GB" dirty="0" smtClean="0"/>
+              <a:t>And grouping issues resolved.</a:t>
+            </a:r>
+            <a:endParaRPr lang="en-GB" dirty="0"/>
           </a:p>
           <a:p>
             <a:pPr lvl="0"/>
             <a:r>
-              <a:rPr lang="en-GB"/>
+              <a:rPr lang="en-GB" dirty="0"/>
               <a:t>Can file scaling in Apply Corrections</a:t>
             </a:r>
           </a:p>
           <a:p>
             <a:pPr lvl="0"/>
             <a:r>
-              <a:rPr lang="en-GB"/>
+              <a:rPr lang="en-GB" dirty="0"/>
               <a:t>Calibration file averaging with masked spectra</a:t>
             </a:r>
           </a:p>
@@ -6905,11 +6985,11 @@
   <p:clrMapOvr>
     <a:masterClrMapping/>
   </p:clrMapOvr>
-  <mc:AlternateContent xmlns:mc="http://schemas.openxmlformats.org/markup-compatibility/2006">
-    <mc:Choice xmlns:p14="http://schemas.microsoft.com/office/powerpoint/2010/main" Requires="p14">
+  <mc:AlternateContent xmlns:mc="http://schemas.openxmlformats.org/markup-compatibility/2006" xmlns:p14="http://schemas.microsoft.com/office/powerpoint/2010/main">
+    <mc:Choice Requires="p14">
       <p:transition spd="slow" p14:dur="2000"/>
     </mc:Choice>
-    <mc:Fallback>
+    <mc:Fallback xmlns="">
       <p:transition spd="slow"/>
     </mc:Fallback>
   </mc:AlternateContent>
@@ -6924,6 +7004,383 @@
 </file>
 
 <file path=ppt/slides/slide15.xml><?xml version="1.0" encoding="utf-8"?>
+<p:sld xmlns:a="http://schemas.openxmlformats.org/drawingml/2006/main" xmlns:r="http://schemas.openxmlformats.org/officeDocument/2006/relationships" xmlns:p="http://schemas.openxmlformats.org/presentationml/2006/main">
+  <p:cSld>
+    <p:spTree>
+      <p:nvGrpSpPr>
+        <p:cNvPr id="1" name=""/>
+        <p:cNvGrpSpPr/>
+        <p:nvPr/>
+      </p:nvGrpSpPr>
+      <p:grpSpPr>
+        <a:xfrm>
+          <a:off x="0" y="0"/>
+          <a:ext cx="0" cy="0"/>
+          <a:chOff x="0" y="0"/>
+          <a:chExt cx="0" cy="0"/>
+        </a:xfrm>
+      </p:grpSpPr>
+      <p:sp>
+        <p:nvSpPr>
+          <p:cNvPr id="2" name="Title 1"/>
+          <p:cNvSpPr txBox="1">
+            <a:spLocks noGrp="1"/>
+          </p:cNvSpPr>
+          <p:nvPr>
+            <p:ph type="title" idx="4294967295"/>
+          </p:nvPr>
+        </p:nvSpPr>
+        <p:spPr/>
+        <p:txBody>
+          <a:bodyPr/>
+          <a:lstStyle>
+            <a:defPPr lvl="0">
+              <a:buSzPct val="45000"/>
+              <a:buFont typeface="StarSymbol"/>
+              <a:buNone/>
+            </a:defPPr>
+            <a:lvl1pPr lvl="0">
+              <a:buSzPct val="45000"/>
+              <a:buFont typeface="StarSymbol"/>
+              <a:buChar char="●"/>
+            </a:lvl1pPr>
+            <a:lvl2pPr lvl="1">
+              <a:buSzPct val="45000"/>
+              <a:buFont typeface="StarSymbol"/>
+              <a:buChar char="●"/>
+            </a:lvl2pPr>
+            <a:lvl3pPr lvl="2">
+              <a:buSzPct val="45000"/>
+              <a:buFont typeface="StarSymbol"/>
+              <a:buChar char="●"/>
+            </a:lvl3pPr>
+            <a:lvl4pPr lvl="3">
+              <a:buSzPct val="45000"/>
+              <a:buFont typeface="StarSymbol"/>
+              <a:buChar char="●"/>
+            </a:lvl4pPr>
+            <a:lvl5pPr lvl="4">
+              <a:buSzPct val="45000"/>
+              <a:buFont typeface="StarSymbol"/>
+              <a:buChar char="●"/>
+            </a:lvl5pPr>
+            <a:lvl6pPr lvl="5">
+              <a:buSzPct val="45000"/>
+              <a:buFont typeface="StarSymbol"/>
+              <a:buChar char="●"/>
+            </a:lvl6pPr>
+            <a:lvl7pPr lvl="6">
+              <a:buSzPct val="45000"/>
+              <a:buFont typeface="StarSymbol"/>
+              <a:buChar char="●"/>
+            </a:lvl7pPr>
+            <a:lvl8pPr lvl="7">
+              <a:buSzPct val="45000"/>
+              <a:buFont typeface="StarSymbol"/>
+              <a:buChar char="●"/>
+            </a:lvl8pPr>
+            <a:lvl9pPr lvl="8">
+              <a:buSzPct val="45000"/>
+              <a:buFont typeface="StarSymbol"/>
+              <a:buChar char="●"/>
+            </a:lvl9pPr>
+          </a:lstStyle>
+          <a:p>
+            <a:pPr lvl="0">
+              <a:buNone/>
+            </a:pPr>
+            <a:r>
+              <a:rPr lang="en-GB" dirty="0" smtClean="0"/>
+              <a:t>Next Release</a:t>
+            </a:r>
+            <a:endParaRPr lang="en-GB" dirty="0"/>
+          </a:p>
+        </p:txBody>
+      </p:sp>
+      <p:sp>
+        <p:nvSpPr>
+          <p:cNvPr id="3" name="Text Placeholder 2"/>
+          <p:cNvSpPr txBox="1">
+            <a:spLocks noGrp="1"/>
+          </p:cNvSpPr>
+          <p:nvPr>
+            <p:ph type="body" idx="4294967295"/>
+          </p:nvPr>
+        </p:nvSpPr>
+        <p:spPr/>
+        <p:txBody>
+          <a:bodyPr/>
+          <a:lstStyle>
+            <a:defPPr marL="432000" lvl="0" indent="-324000">
+              <a:spcBef>
+                <a:spcPts val="0"/>
+              </a:spcBef>
+              <a:spcAft>
+                <a:spcPts val="1417"/>
+              </a:spcAft>
+              <a:buSzPct val="45000"/>
+              <a:buFont typeface="StarSymbol"/>
+              <a:buNone/>
+              <a:defRPr lang="en-GB" sz="3200" b="0" i="0" u="none" strike="noStrike" kern="1200">
+                <a:ln>
+                  <a:noFill/>
+                </a:ln>
+                <a:latin typeface="Arial" pitchFamily="18"/>
+                <a:ea typeface="Droid Sans Fallback" pitchFamily="2"/>
+                <a:cs typeface="Lohit Hindi" pitchFamily="2"/>
+              </a:defRPr>
+            </a:defPPr>
+            <a:lvl1pPr marL="432000" lvl="0" indent="-324000">
+              <a:spcBef>
+                <a:spcPts val="0"/>
+              </a:spcBef>
+              <a:spcAft>
+                <a:spcPts val="1417"/>
+              </a:spcAft>
+              <a:buSzPct val="45000"/>
+              <a:buFont typeface="StarSymbol"/>
+              <a:buChar char="●"/>
+              <a:defRPr lang="en-GB" sz="3200" b="0" i="0" u="none" strike="noStrike" kern="1200">
+                <a:ln>
+                  <a:noFill/>
+                </a:ln>
+                <a:latin typeface="Arial" pitchFamily="18"/>
+                <a:ea typeface="Droid Sans Fallback" pitchFamily="2"/>
+                <a:cs typeface="Lohit Hindi" pitchFamily="2"/>
+              </a:defRPr>
+            </a:lvl1pPr>
+            <a:lvl2pPr marL="864000" lvl="1" indent="-324000">
+              <a:spcBef>
+                <a:spcPts val="0"/>
+              </a:spcBef>
+              <a:spcAft>
+                <a:spcPts val="1134"/>
+              </a:spcAft>
+              <a:buSzPct val="75000"/>
+              <a:buFont typeface="StarSymbol"/>
+              <a:buChar char="–"/>
+              <a:defRPr lang="en-GB" sz="2800" b="0" i="0" u="none" strike="noStrike" kern="1200">
+                <a:ln>
+                  <a:noFill/>
+                </a:ln>
+                <a:latin typeface="Arial" pitchFamily="18"/>
+                <a:ea typeface="Droid Sans Fallback" pitchFamily="2"/>
+                <a:cs typeface="Lohit Hindi" pitchFamily="2"/>
+              </a:defRPr>
+            </a:lvl2pPr>
+            <a:lvl3pPr marL="1295999" lvl="2" indent="-288000">
+              <a:spcBef>
+                <a:spcPts val="0"/>
+              </a:spcBef>
+              <a:spcAft>
+                <a:spcPts val="850"/>
+              </a:spcAft>
+              <a:buSzPct val="45000"/>
+              <a:buFont typeface="StarSymbol"/>
+              <a:buChar char="●"/>
+              <a:defRPr lang="en-GB" sz="2400" b="0" i="0" u="none" strike="noStrike" kern="1200">
+                <a:ln>
+                  <a:noFill/>
+                </a:ln>
+                <a:latin typeface="Arial" pitchFamily="18"/>
+                <a:ea typeface="Droid Sans Fallback" pitchFamily="2"/>
+                <a:cs typeface="Lohit Hindi" pitchFamily="2"/>
+              </a:defRPr>
+            </a:lvl3pPr>
+            <a:lvl4pPr marL="1728000" lvl="3" indent="-216000">
+              <a:spcBef>
+                <a:spcPts val="0"/>
+              </a:spcBef>
+              <a:spcAft>
+                <a:spcPts val="567"/>
+              </a:spcAft>
+              <a:buSzPct val="75000"/>
+              <a:buFont typeface="StarSymbol"/>
+              <a:buChar char="–"/>
+              <a:defRPr lang="en-GB" sz="2000" b="0" i="0" u="none" strike="noStrike" kern="1200">
+                <a:ln>
+                  <a:noFill/>
+                </a:ln>
+                <a:latin typeface="Arial" pitchFamily="18"/>
+                <a:ea typeface="Droid Sans Fallback" pitchFamily="2"/>
+                <a:cs typeface="Lohit Hindi" pitchFamily="2"/>
+              </a:defRPr>
+            </a:lvl4pPr>
+            <a:lvl5pPr marL="2160000" lvl="4" indent="-216000">
+              <a:spcBef>
+                <a:spcPts val="0"/>
+              </a:spcBef>
+              <a:spcAft>
+                <a:spcPts val="283"/>
+              </a:spcAft>
+              <a:buSzPct val="45000"/>
+              <a:buFont typeface="StarSymbol"/>
+              <a:buChar char="●"/>
+              <a:defRPr lang="en-GB" sz="2000" b="0" i="0" u="none" strike="noStrike" kern="1200">
+                <a:ln>
+                  <a:noFill/>
+                </a:ln>
+                <a:latin typeface="Arial" pitchFamily="18"/>
+                <a:ea typeface="Droid Sans Fallback" pitchFamily="2"/>
+                <a:cs typeface="Lohit Hindi" pitchFamily="2"/>
+              </a:defRPr>
+            </a:lvl5pPr>
+            <a:lvl6pPr marL="2592000" lvl="5" indent="-216000">
+              <a:spcBef>
+                <a:spcPts val="0"/>
+              </a:spcBef>
+              <a:spcAft>
+                <a:spcPts val="283"/>
+              </a:spcAft>
+              <a:buSzPct val="45000"/>
+              <a:buFont typeface="StarSymbol"/>
+              <a:buChar char="●"/>
+              <a:defRPr lang="en-GB" sz="2000" b="0" i="0" u="none" strike="noStrike" kern="1200">
+                <a:ln>
+                  <a:noFill/>
+                </a:ln>
+                <a:latin typeface="Arial" pitchFamily="18"/>
+                <a:ea typeface="Droid Sans Fallback" pitchFamily="2"/>
+                <a:cs typeface="Lohit Hindi" pitchFamily="2"/>
+              </a:defRPr>
+            </a:lvl6pPr>
+            <a:lvl7pPr marL="3024000" lvl="6" indent="-216000">
+              <a:spcBef>
+                <a:spcPts val="0"/>
+              </a:spcBef>
+              <a:spcAft>
+                <a:spcPts val="283"/>
+              </a:spcAft>
+              <a:buSzPct val="45000"/>
+              <a:buFont typeface="StarSymbol"/>
+              <a:buChar char="●"/>
+              <a:defRPr lang="en-GB" sz="2000" b="0" i="0" u="none" strike="noStrike" kern="1200">
+                <a:ln>
+                  <a:noFill/>
+                </a:ln>
+                <a:latin typeface="Arial" pitchFamily="18"/>
+                <a:ea typeface="Droid Sans Fallback" pitchFamily="2"/>
+                <a:cs typeface="Lohit Hindi" pitchFamily="2"/>
+              </a:defRPr>
+            </a:lvl7pPr>
+            <a:lvl8pPr marL="3456000" lvl="7" indent="-216000">
+              <a:spcBef>
+                <a:spcPts val="0"/>
+              </a:spcBef>
+              <a:spcAft>
+                <a:spcPts val="283"/>
+              </a:spcAft>
+              <a:buSzPct val="45000"/>
+              <a:buFont typeface="StarSymbol"/>
+              <a:buChar char="●"/>
+              <a:defRPr lang="en-GB" sz="2000" b="0" i="0" u="none" strike="noStrike" kern="1200">
+                <a:ln>
+                  <a:noFill/>
+                </a:ln>
+                <a:latin typeface="Arial" pitchFamily="18"/>
+                <a:ea typeface="Droid Sans Fallback" pitchFamily="2"/>
+                <a:cs typeface="Lohit Hindi" pitchFamily="2"/>
+              </a:defRPr>
+            </a:lvl8pPr>
+            <a:lvl9pPr marL="3887999" lvl="8" indent="-216000">
+              <a:spcBef>
+                <a:spcPts val="0"/>
+              </a:spcBef>
+              <a:spcAft>
+                <a:spcPts val="283"/>
+              </a:spcAft>
+              <a:buSzPct val="45000"/>
+              <a:buFont typeface="StarSymbol"/>
+              <a:buChar char="●"/>
+              <a:defRPr lang="en-GB" sz="2000" b="0" i="0" u="none" strike="noStrike" kern="1200">
+                <a:ln>
+                  <a:noFill/>
+                </a:ln>
+                <a:latin typeface="Arial" pitchFamily="18"/>
+                <a:ea typeface="Droid Sans Fallback" pitchFamily="2"/>
+                <a:cs typeface="Lohit Hindi" pitchFamily="2"/>
+              </a:defRPr>
+            </a:lvl9pPr>
+          </a:lstStyle>
+          <a:p>
+            <a:pPr lvl="0"/>
+            <a:r>
+              <a:rPr lang="en-GB" dirty="0" smtClean="0"/>
+              <a:t>Focus on </a:t>
+            </a:r>
+            <a:r>
+              <a:rPr lang="en-GB" dirty="0" err="1" smtClean="0"/>
+              <a:t>Vesuvio</a:t>
+            </a:r>
+            <a:endParaRPr lang="en-GB" dirty="0" smtClean="0"/>
+          </a:p>
+          <a:p>
+            <a:pPr lvl="0"/>
+            <a:r>
+              <a:rPr lang="en-GB" dirty="0" smtClean="0"/>
+              <a:t>Parting of Direct and Indirect Interfaces</a:t>
+            </a:r>
+          </a:p>
+          <a:p>
+            <a:pPr lvl="0"/>
+            <a:r>
+              <a:rPr lang="en-GB" dirty="0" smtClean="0"/>
+              <a:t>History/Scripting improvements</a:t>
+            </a:r>
+          </a:p>
+          <a:p>
+            <a:pPr lvl="0"/>
+            <a:r>
+              <a:rPr lang="en-GB" dirty="0" smtClean="0"/>
+              <a:t>TFXA and TOSCA-1 support</a:t>
+            </a:r>
+          </a:p>
+          <a:p>
+            <a:pPr lvl="0"/>
+            <a:r>
+              <a:rPr lang="en-GB" dirty="0" smtClean="0"/>
+              <a:t>Any other requests?</a:t>
+            </a:r>
+          </a:p>
+          <a:p>
+            <a:pPr lvl="0"/>
+            <a:endParaRPr lang="en-GB" dirty="0" smtClean="0"/>
+          </a:p>
+          <a:p>
+            <a:pPr lvl="0"/>
+            <a:endParaRPr lang="en-GB" dirty="0"/>
+          </a:p>
+        </p:txBody>
+      </p:sp>
+    </p:spTree>
+    <p:extLst>
+      <p:ext uri="{BB962C8B-B14F-4D97-AF65-F5344CB8AC3E}">
+        <p14:creationId xmlns:p14="http://schemas.microsoft.com/office/powerpoint/2010/main" val="1553605818"/>
+      </p:ext>
+    </p:extLst>
+  </p:cSld>
+  <p:clrMapOvr>
+    <a:masterClrMapping/>
+  </p:clrMapOvr>
+  <mc:AlternateContent xmlns:mc="http://schemas.openxmlformats.org/markup-compatibility/2006" xmlns:p14="http://schemas.microsoft.com/office/powerpoint/2010/main">
+    <mc:Choice Requires="p14">
+      <p:transition spd="slow" p14:dur="2000"/>
+    </mc:Choice>
+    <mc:Fallback xmlns="">
+      <p:transition spd="slow"/>
+    </mc:Fallback>
+  </mc:AlternateContent>
+  <p:timing>
+    <p:tnLst>
+      <p:par>
+        <p:cTn id="1" dur="indefinite" restart="never" nodeType="tmRoot"/>
+      </p:par>
+    </p:tnLst>
+  </p:timing>
+</p:sld>
+</file>
+
+<file path=ppt/slides/slide16.xml><?xml version="1.0" encoding="utf-8"?>
 <p:sld xmlns:a="http://schemas.openxmlformats.org/drawingml/2006/main" xmlns:r="http://schemas.openxmlformats.org/officeDocument/2006/relationships" xmlns:p="http://schemas.openxmlformats.org/presentationml/2006/main">
   <p:cSld name="page15">
     <p:spTree>
@@ -7015,7 +7472,7 @@
               <a:buNone/>
             </a:pPr>
             <a:r>
-              <a:rPr lang="en-GB"/>
+              <a:rPr lang="en-GB" dirty="0"/>
               <a:t>Thank You</a:t>
             </a:r>
           </a:p>
@@ -7024,8 +7481,12 @@
               <a:buNone/>
             </a:pPr>
             <a:r>
-              <a:rPr lang="en-GB"/>
-              <a:t>And Any Questions?</a:t>
+              <a:rPr lang="en-GB" dirty="0" smtClean="0"/>
+              <a:t>Any </a:t>
+            </a:r>
+            <a:r>
+              <a:rPr lang="en-GB" dirty="0"/>
+              <a:t>Questions?</a:t>
             </a:r>
           </a:p>
         </p:txBody>
@@ -7035,11 +7496,11 @@
   <p:clrMapOvr>
     <a:masterClrMapping/>
   </p:clrMapOvr>
-  <mc:AlternateContent xmlns:mc="http://schemas.openxmlformats.org/markup-compatibility/2006">
-    <mc:Choice xmlns:p14="http://schemas.microsoft.com/office/powerpoint/2010/main" Requires="p14">
+  <mc:AlternateContent xmlns:mc="http://schemas.openxmlformats.org/markup-compatibility/2006" xmlns:p14="http://schemas.microsoft.com/office/powerpoint/2010/main">
+    <mc:Choice Requires="p14">
       <p:transition spd="slow" p14:dur="2000"/>
     </mc:Choice>
-    <mc:Fallback>
+    <mc:Fallback xmlns="">
       <p:transition spd="slow"/>
     </mc:Fallback>
   </mc:AlternateContent>
@@ -7356,42 +7817,54 @@
           <a:p>
             <a:pPr lvl="0"/>
             <a:r>
-              <a:rPr lang="en-GB"/>
+              <a:rPr lang="en-GB" dirty="0"/>
               <a:t>Where we are:</a:t>
             </a:r>
           </a:p>
           <a:p>
             <a:pPr lvl="1" rtl="0" hangingPunct="0"/>
             <a:r>
-              <a:rPr lang="en-GB"/>
-              <a:t>Mechanism works for the majority of cases.</a:t>
-            </a:r>
+              <a:rPr lang="en-GB" dirty="0"/>
+              <a:t>Mechanism works for the majority of cases</a:t>
+            </a:r>
+            <a:r>
+              <a:rPr lang="en-GB" dirty="0" smtClean="0"/>
+              <a:t>.</a:t>
+            </a:r>
+          </a:p>
+          <a:p>
+            <a:pPr lvl="2" rtl="0" hangingPunct="0"/>
+            <a:r>
+              <a:rPr lang="en-GB" dirty="0" smtClean="0"/>
+              <a:t>Distinction between algorithms and work-flow algorithms</a:t>
+            </a:r>
+            <a:endParaRPr lang="en-GB" dirty="0"/>
           </a:p>
           <a:p>
             <a:pPr lvl="1" rtl="0" hangingPunct="0"/>
             <a:r>
-              <a:rPr lang="en-GB"/>
+              <a:rPr lang="en-GB" dirty="0"/>
               <a:t>Able to track the history of algorithms and their parameters.</a:t>
             </a:r>
           </a:p>
           <a:p>
             <a:pPr lvl="1" rtl="0" hangingPunct="0"/>
             <a:r>
-              <a:rPr lang="en-GB"/>
+              <a:rPr lang="en-GB" dirty="0"/>
               <a:t>Able to produce executable scripts from the history.</a:t>
             </a:r>
           </a:p>
           <a:p>
             <a:pPr lvl="1" rtl="0" hangingPunct="0"/>
             <a:r>
-              <a:rPr lang="en-GB"/>
+              <a:rPr lang="en-GB" dirty="0"/>
               <a:t>Works for energy transfer &amp; diffraction reduction</a:t>
             </a:r>
           </a:p>
           <a:p>
             <a:pPr lvl="1" rtl="0" hangingPunct="0"/>
             <a:r>
-              <a:rPr lang="en-GB"/>
+              <a:rPr lang="en-GB" dirty="0"/>
               <a:t>Other routines will need more work.</a:t>
             </a:r>
           </a:p>
@@ -7402,11 +7875,11 @@
   <p:clrMapOvr>
     <a:masterClrMapping/>
   </p:clrMapOvr>
-  <mc:AlternateContent xmlns:mc="http://schemas.openxmlformats.org/markup-compatibility/2006">
-    <mc:Choice xmlns:p14="http://schemas.microsoft.com/office/powerpoint/2010/main" Requires="p14">
+  <mc:AlternateContent xmlns:mc="http://schemas.openxmlformats.org/markup-compatibility/2006" xmlns:p14="http://schemas.microsoft.com/office/powerpoint/2010/main">
+    <mc:Choice Requires="p14">
       <p:transition spd="slow" p14:dur="2000"/>
     </mc:Choice>
-    <mc:Fallback>
+    <mc:Fallback xmlns="">
       <p:transition spd="slow"/>
     </mc:Fallback>
   </mc:AlternateContent>
@@ -7523,11 +7996,11 @@
   <p:clrMapOvr>
     <a:masterClrMapping/>
   </p:clrMapOvr>
-  <mc:AlternateContent xmlns:mc="http://schemas.openxmlformats.org/markup-compatibility/2006">
-    <mc:Choice xmlns:p14="http://schemas.microsoft.com/office/powerpoint/2010/main" Requires="p14">
+  <mc:AlternateContent xmlns:mc="http://schemas.openxmlformats.org/markup-compatibility/2006" xmlns:p14="http://schemas.microsoft.com/office/powerpoint/2010/main">
+    <mc:Choice Requires="p14">
       <p:transition spd="slow" p14:dur="2000"/>
     </mc:Choice>
-    <mc:Fallback>
+    <mc:Fallback xmlns="">
       <p:transition spd="slow"/>
     </mc:Fallback>
   </mc:AlternateContent>
@@ -7842,35 +8315,43 @@
           <a:p>
             <a:pPr lvl="0"/>
             <a:r>
-              <a:rPr lang="en-GB"/>
+              <a:rPr lang="en-GB" dirty="0"/>
               <a:t>Better structure in Indirect</a:t>
             </a:r>
           </a:p>
           <a:p>
             <a:pPr lvl="1" rtl="0" hangingPunct="0"/>
             <a:r>
-              <a:rPr lang="en-GB"/>
-              <a:t>For this we'll need to convert the scripts underneath Indirect to work-flow algorithms</a:t>
+              <a:rPr lang="en-GB" dirty="0"/>
+              <a:t>For this we'll need to convert the scripts underneath Indirect </a:t>
+            </a:r>
+            <a:r>
+              <a:rPr lang="en-GB" dirty="0" smtClean="0"/>
+              <a:t>to use </a:t>
+            </a:r>
+            <a:r>
+              <a:rPr lang="en-GB" dirty="0"/>
+              <a:t>work-flow algorithms</a:t>
             </a:r>
           </a:p>
           <a:p>
             <a:pPr lvl="0"/>
             <a:r>
-              <a:rPr lang="en-GB"/>
+              <a:rPr lang="en-GB" dirty="0"/>
               <a:t>More intelligent formatting</a:t>
             </a:r>
           </a:p>
           <a:p>
             <a:pPr lvl="1" rtl="0" hangingPunct="0"/>
             <a:r>
-              <a:rPr lang="en-GB"/>
+              <a:rPr lang="en-GB" dirty="0"/>
               <a:t>Condense large properties</a:t>
             </a:r>
           </a:p>
           <a:p>
             <a:pPr lvl="1" rtl="0" hangingPunct="0"/>
             <a:r>
-              <a:rPr lang="en-GB"/>
+              <a:rPr lang="en-GB" dirty="0"/>
               <a:t>Use variables for workspace names</a:t>
             </a:r>
           </a:p>
@@ -7881,11 +8362,11 @@
   <p:clrMapOvr>
     <a:masterClrMapping/>
   </p:clrMapOvr>
-  <mc:AlternateContent xmlns:mc="http://schemas.openxmlformats.org/markup-compatibility/2006">
-    <mc:Choice xmlns:p14="http://schemas.microsoft.com/office/powerpoint/2010/main" Requires="p14">
+  <mc:AlternateContent xmlns:mc="http://schemas.openxmlformats.org/markup-compatibility/2006" xmlns:p14="http://schemas.microsoft.com/office/powerpoint/2010/main">
+    <mc:Choice Requires="p14">
       <p:transition spd="slow" p14:dur="2000"/>
     </mc:Choice>
-    <mc:Fallback>
+    <mc:Fallback xmlns="">
       <p:transition spd="slow"/>
     </mc:Fallback>
   </mc:AlternateContent>
@@ -8002,7 +8483,12 @@
             <p:ph type="body" idx="4294967295"/>
           </p:nvPr>
         </p:nvSpPr>
-        <p:spPr/>
+        <p:spPr>
+          <a:xfrm>
+            <a:off x="503999" y="1769040"/>
+            <a:ext cx="5400409" cy="4384800"/>
+          </a:xfrm>
+        </p:spPr>
         <p:txBody>
           <a:bodyPr/>
           <a:lstStyle>
@@ -8200,50 +8686,97 @@
           <a:p>
             <a:pPr lvl="0"/>
             <a:r>
-              <a:rPr lang="en-GB"/>
-              <a:t>Additional output options for saving in the .aclimax format and cm^-1 for IRIS/OSIRIS</a:t>
-            </a:r>
-          </a:p>
-          <a:p>
-            <a:pPr lvl="0"/>
-            <a:r>
-              <a:rPr lang="en-GB"/>
-              <a:t>New tab: Moments</a:t>
+              <a:rPr lang="en-GB" dirty="0" smtClean="0"/>
+              <a:t>New </a:t>
+            </a:r>
+            <a:r>
+              <a:rPr lang="en-GB" dirty="0"/>
+              <a:t>tab: Moments</a:t>
             </a:r>
           </a:p>
           <a:p>
             <a:pPr lvl="1" rtl="0" hangingPunct="0"/>
             <a:r>
-              <a:rPr lang="en-GB"/>
+              <a:rPr lang="en-GB" dirty="0"/>
               <a:t>Calculates the moments of</a:t>
             </a:r>
           </a:p>
           <a:p>
             <a:pPr lvl="1" rtl="0" hangingPunct="0"/>
             <a:r>
-              <a:rPr lang="en-GB"/>
-              <a:t>an SofQW workspace</a:t>
+              <a:rPr lang="en-GB" dirty="0"/>
+              <a:t>an </a:t>
+            </a:r>
+            <a:r>
+              <a:rPr lang="en-GB" dirty="0" err="1"/>
+              <a:t>SofQW</a:t>
+            </a:r>
+            <a:r>
+              <a:rPr lang="en-GB" dirty="0"/>
+              <a:t> workspace</a:t>
             </a:r>
           </a:p>
           <a:p>
             <a:pPr lvl="1" rtl="0" hangingPunct="0"/>
             <a:r>
-              <a:rPr lang="en-GB"/>
+              <a:rPr lang="en-GB" dirty="0"/>
               <a:t>Just another algorithm</a:t>
             </a:r>
           </a:p>
           <a:p>
             <a:pPr lvl="2" rtl="0" hangingPunct="0"/>
             <a:r>
-              <a:rPr lang="en-GB"/>
+              <a:rPr lang="en-GB" dirty="0" err="1" smtClean="0"/>
               <a:t>SofQWMoments</a:t>
             </a:r>
+            <a:endParaRPr lang="en-GB" dirty="0" smtClean="0"/>
+          </a:p>
+          <a:p>
+            <a:r>
+              <a:rPr lang="en-GB" dirty="0"/>
+              <a:t>Additional output </a:t>
+            </a:r>
+            <a:r>
+              <a:rPr lang="en-GB" dirty="0" smtClean="0"/>
+              <a:t>options for IRIS/OSIRIS </a:t>
+            </a:r>
+          </a:p>
+          <a:p>
+            <a:pPr lvl="1"/>
+            <a:r>
+              <a:rPr lang="en-GB" dirty="0" smtClean="0"/>
+              <a:t>.</a:t>
+            </a:r>
+            <a:r>
+              <a:rPr lang="en-GB" dirty="0" err="1" smtClean="0"/>
+              <a:t>aclimax</a:t>
+            </a:r>
+            <a:r>
+              <a:rPr lang="en-GB" dirty="0" smtClean="0"/>
+              <a:t> format</a:t>
+            </a:r>
+          </a:p>
+          <a:p>
+            <a:pPr lvl="1"/>
+            <a:r>
+              <a:rPr lang="en-GB" dirty="0" smtClean="0"/>
+              <a:t>cm</a:t>
+            </a:r>
+            <a:r>
+              <a:rPr lang="en-GB" dirty="0"/>
+              <a:t>^-</a:t>
+            </a:r>
+            <a:r>
+              <a:rPr lang="en-GB" dirty="0" smtClean="0"/>
+              <a:t>1</a:t>
+            </a:r>
+            <a:endParaRPr lang="en-GB" dirty="0"/>
           </a:p>
         </p:txBody>
       </p:sp>
       <p:pic>
         <p:nvPicPr>
-          <p:cNvPr id="4" name=""/>
+          <p:cNvPr id="4" name="Picture 3"/>
           <p:cNvPicPr>
             <a:picLocks noChangeAspect="1"/>
           </p:cNvPicPr>
@@ -8278,11 +8811,11 @@
   <p:clrMapOvr>
     <a:masterClrMapping/>
   </p:clrMapOvr>
-  <mc:AlternateContent xmlns:mc="http://schemas.openxmlformats.org/markup-compatibility/2006">
-    <mc:Choice xmlns:p14="http://schemas.microsoft.com/office/powerpoint/2010/main" Requires="p14">
+  <mc:AlternateContent xmlns:mc="http://schemas.openxmlformats.org/markup-compatibility/2006" xmlns:p14="http://schemas.microsoft.com/office/powerpoint/2010/main">
+    <mc:Choice Requires="p14">
       <p:transition spd="slow" p14:dur="2000"/>
     </mc:Choice>
-    <mc:Fallback>
+    <mc:Fallback xmlns="">
       <p:transition spd="slow"/>
     </mc:Fallback>
   </mc:AlternateContent>
@@ -8640,7 +9173,7 @@
       </p:sp>
       <p:pic>
         <p:nvPicPr>
-          <p:cNvPr id="4" name=""/>
+          <p:cNvPr id="4" name="Picture 3"/>
           <p:cNvPicPr>
             <a:picLocks noChangeAspect="1"/>
           </p:cNvPicPr>
@@ -8675,11 +9208,11 @@
   <p:clrMapOvr>
     <a:masterClrMapping/>
   </p:clrMapOvr>
-  <mc:AlternateContent xmlns:mc="http://schemas.openxmlformats.org/markup-compatibility/2006">
-    <mc:Choice xmlns:p14="http://schemas.microsoft.com/office/powerpoint/2010/main" Requires="p14">
+  <mc:AlternateContent xmlns:mc="http://schemas.openxmlformats.org/markup-compatibility/2006" xmlns:p14="http://schemas.microsoft.com/office/powerpoint/2010/main">
+    <mc:Choice Requires="p14">
       <p:transition spd="slow" p14:dur="2000"/>
     </mc:Choice>
-    <mc:Fallback>
+    <mc:Fallback xmlns="">
       <p:transition spd="slow"/>
     </mc:Fallback>
   </mc:AlternateContent>
@@ -9023,7 +9556,7 @@
       </p:sp>
       <p:pic>
         <p:nvPicPr>
-          <p:cNvPr id="4" name=""/>
+          <p:cNvPr id="4" name="Picture 3"/>
           <p:cNvPicPr>
             <a:picLocks noChangeAspect="1"/>
           </p:cNvPicPr>
@@ -9058,11 +9591,11 @@
   <p:clrMapOvr>
     <a:masterClrMapping/>
   </p:clrMapOvr>
-  <mc:AlternateContent xmlns:mc="http://schemas.openxmlformats.org/markup-compatibility/2006">
-    <mc:Choice xmlns:p14="http://schemas.microsoft.com/office/powerpoint/2010/main" Requires="p14">
+  <mc:AlternateContent xmlns:mc="http://schemas.openxmlformats.org/markup-compatibility/2006" xmlns:p14="http://schemas.microsoft.com/office/powerpoint/2010/main">
+    <mc:Choice Requires="p14">
       <p:transition spd="slow" p14:dur="2000"/>
     </mc:Choice>
-    <mc:Fallback>
+    <mc:Fallback xmlns="">
       <p:transition spd="slow"/>
     </mc:Fallback>
   </mc:AlternateContent>
@@ -9387,7 +9920,7 @@
       </p:sp>
       <p:pic>
         <p:nvPicPr>
-          <p:cNvPr id="4" name=""/>
+          <p:cNvPr id="4" name="Picture 3"/>
           <p:cNvPicPr>
             <a:picLocks noChangeAspect="1"/>
           </p:cNvPicPr>
@@ -9405,7 +9938,7 @@
         </p:blipFill>
         <p:spPr>
           <a:xfrm>
-            <a:off x="2520000" y="2775240"/>
+            <a:off x="2534966" y="2915741"/>
             <a:ext cx="5256000" cy="4290480"/>
           </a:xfrm>
           <a:prstGeom prst="rect">
@@ -9422,11 +9955,11 @@
   <p:clrMapOvr>
     <a:masterClrMapping/>
   </p:clrMapOvr>
-  <mc:AlternateContent xmlns:mc="http://schemas.openxmlformats.org/markup-compatibility/2006">
-    <mc:Choice xmlns:p14="http://schemas.microsoft.com/office/powerpoint/2010/main" Requires="p14">
+  <mc:AlternateContent xmlns:mc="http://schemas.openxmlformats.org/markup-compatibility/2006" xmlns:p14="http://schemas.microsoft.com/office/powerpoint/2010/main">
+    <mc:Choice Requires="p14">
       <p:transition spd="slow" p14:dur="2000"/>
     </mc:Choice>
-    <mc:Fallback>
+    <mc:Fallback xmlns="">
       <p:transition spd="slow"/>
     </mc:Fallback>
   </mc:AlternateContent>
@@ -9770,7 +10303,7 @@
       </p:sp>
       <p:pic>
         <p:nvPicPr>
-          <p:cNvPr id="4" name=""/>
+          <p:cNvPr id="4" name="Picture 3"/>
           <p:cNvPicPr>
             <a:picLocks noChangeAspect="1"/>
           </p:cNvPicPr>
@@ -9805,11 +10338,11 @@
   <p:clrMapOvr>
     <a:masterClrMapping/>
   </p:clrMapOvr>
-  <mc:AlternateContent xmlns:mc="http://schemas.openxmlformats.org/markup-compatibility/2006">
-    <mc:Choice xmlns:p14="http://schemas.microsoft.com/office/powerpoint/2010/main" Requires="p14">
+  <mc:AlternateContent xmlns:mc="http://schemas.openxmlformats.org/markup-compatibility/2006" xmlns:p14="http://schemas.microsoft.com/office/powerpoint/2010/main">
+    <mc:Choice Requires="p14">
       <p:transition spd="slow" p14:dur="2000"/>
     </mc:Choice>
-    <mc:Fallback>
+    <mc:Fallback xmlns="">
       <p:transition spd="slow"/>
     </mc:Fallback>
   </mc:AlternateContent>

--- a/RAL/msg_presentation.pptx
+++ b/RAL/msg_presentation.pptx
@@ -5,10 +5,10 @@
     <p:sldMasterId id="2147483648" r:id="rId1"/>
   </p:sldMasterIdLst>
   <p:notesMasterIdLst>
-    <p:notesMasterId r:id="rId18"/>
+    <p:notesMasterId r:id="rId19"/>
   </p:notesMasterIdLst>
   <p:handoutMasterIdLst>
-    <p:handoutMasterId r:id="rId19"/>
+    <p:handoutMasterId r:id="rId20"/>
   </p:handoutMasterIdLst>
   <p:sldIdLst>
     <p:sldId id="256" r:id="rId2"/>
@@ -20,13 +20,14 @@
     <p:sldId id="262" r:id="rId8"/>
     <p:sldId id="263" r:id="rId9"/>
     <p:sldId id="264" r:id="rId10"/>
-    <p:sldId id="265" r:id="rId11"/>
-    <p:sldId id="266" r:id="rId12"/>
+    <p:sldId id="273" r:id="rId11"/>
+    <p:sldId id="265" r:id="rId12"/>
     <p:sldId id="267" r:id="rId13"/>
-    <p:sldId id="268" r:id="rId14"/>
-    <p:sldId id="269" r:id="rId15"/>
-    <p:sldId id="271" r:id="rId16"/>
-    <p:sldId id="270" r:id="rId17"/>
+    <p:sldId id="266" r:id="rId14"/>
+    <p:sldId id="268" r:id="rId15"/>
+    <p:sldId id="269" r:id="rId16"/>
+    <p:sldId id="271" r:id="rId17"/>
+    <p:sldId id="270" r:id="rId18"/>
   </p:sldIdLst>
   <p:sldSz cx="10080625" cy="7559675"/>
   <p:notesSz cx="7559675" cy="10691813"/>
@@ -1284,6 +1285,76 @@
 </p:notes>
 </file>
 
+<file path=ppt/notesSlides/notesSlide17.xml><?xml version="1.0" encoding="utf-8"?>
+<p:notes xmlns:a="http://schemas.openxmlformats.org/drawingml/2006/main" xmlns:r="http://schemas.openxmlformats.org/officeDocument/2006/relationships" xmlns:p="http://schemas.openxmlformats.org/presentationml/2006/main">
+  <p:cSld>
+    <p:spTree>
+      <p:nvGrpSpPr>
+        <p:cNvPr id="1" name=""/>
+        <p:cNvGrpSpPr/>
+        <p:nvPr/>
+      </p:nvGrpSpPr>
+      <p:grpSpPr>
+        <a:xfrm>
+          <a:off x="0" y="0"/>
+          <a:ext cx="0" cy="0"/>
+          <a:chOff x="0" y="0"/>
+          <a:chExt cx="0" cy="0"/>
+        </a:xfrm>
+      </p:grpSpPr>
+      <p:sp>
+        <p:nvSpPr>
+          <p:cNvPr id="2" name="Slide Image Placeholder 1"/>
+          <p:cNvSpPr>
+            <a:spLocks noGrp="1" noRot="1" noChangeAspect="1" noResize="1"/>
+          </p:cNvSpPr>
+          <p:nvPr>
+            <p:ph type="sldImg"/>
+          </p:nvPr>
+        </p:nvSpPr>
+        <p:spPr>
+          <a:xfrm>
+            <a:off x="1106488" y="812800"/>
+            <a:ext cx="5345112" cy="4008438"/>
+          </a:xfrm>
+          <a:solidFill>
+            <a:srgbClr val="CFE7F5"/>
+          </a:solidFill>
+          <a:ln w="25400">
+            <a:solidFill>
+              <a:srgbClr val="808080"/>
+            </a:solidFill>
+            <a:prstDash val="solid"/>
+          </a:ln>
+        </p:spPr>
+      </p:sp>
+      <p:sp>
+        <p:nvSpPr>
+          <p:cNvPr id="3" name="Notes Placeholder 2"/>
+          <p:cNvSpPr txBox="1">
+            <a:spLocks noGrp="1"/>
+          </p:cNvSpPr>
+          <p:nvPr>
+            <p:ph type="body" sz="quarter" idx="1"/>
+          </p:nvPr>
+        </p:nvSpPr>
+        <p:spPr/>
+        <p:txBody>
+          <a:bodyPr/>
+          <a:lstStyle/>
+          <a:p>
+            <a:endParaRPr lang="en-GB"/>
+          </a:p>
+        </p:txBody>
+      </p:sp>
+    </p:spTree>
+  </p:cSld>
+  <p:clrMapOvr>
+    <a:masterClrMapping/>
+  </p:clrMapOvr>
+</p:notes>
+</file>
+
 <file path=ppt/notesSlides/notesSlide2.xml><?xml version="1.0" encoding="utf-8"?>
 <p:notes xmlns:a="http://schemas.openxmlformats.org/drawingml/2006/main" xmlns:r="http://schemas.openxmlformats.org/officeDocument/2006/relationships" xmlns:p="http://schemas.openxmlformats.org/presentationml/2006/main">
   <p:cSld>
@@ -5058,6 +5129,396 @@
 
 <file path=ppt/slides/slide10.xml><?xml version="1.0" encoding="utf-8"?>
 <p:sld xmlns:a="http://schemas.openxmlformats.org/drawingml/2006/main" xmlns:r="http://schemas.openxmlformats.org/officeDocument/2006/relationships" xmlns:p="http://schemas.openxmlformats.org/presentationml/2006/main">
+  <p:cSld>
+    <p:spTree>
+      <p:nvGrpSpPr>
+        <p:cNvPr id="1" name=""/>
+        <p:cNvGrpSpPr/>
+        <p:nvPr/>
+      </p:nvGrpSpPr>
+      <p:grpSpPr>
+        <a:xfrm>
+          <a:off x="0" y="0"/>
+          <a:ext cx="0" cy="0"/>
+          <a:chOff x="0" y="0"/>
+          <a:chExt cx="0" cy="0"/>
+        </a:xfrm>
+      </p:grpSpPr>
+      <p:sp>
+        <p:nvSpPr>
+          <p:cNvPr id="2" name="Title 1"/>
+          <p:cNvSpPr txBox="1">
+            <a:spLocks noGrp="1"/>
+          </p:cNvSpPr>
+          <p:nvPr>
+            <p:ph type="title" idx="4294967295"/>
+          </p:nvPr>
+        </p:nvSpPr>
+        <p:spPr/>
+        <p:txBody>
+          <a:bodyPr/>
+          <a:lstStyle>
+            <a:defPPr lvl="0">
+              <a:buSzPct val="45000"/>
+              <a:buFont typeface="StarSymbol"/>
+              <a:buNone/>
+            </a:defPPr>
+            <a:lvl1pPr lvl="0">
+              <a:buSzPct val="45000"/>
+              <a:buFont typeface="StarSymbol"/>
+              <a:buChar char="●"/>
+            </a:lvl1pPr>
+            <a:lvl2pPr lvl="1">
+              <a:buSzPct val="45000"/>
+              <a:buFont typeface="StarSymbol"/>
+              <a:buChar char="●"/>
+            </a:lvl2pPr>
+            <a:lvl3pPr lvl="2">
+              <a:buSzPct val="45000"/>
+              <a:buFont typeface="StarSymbol"/>
+              <a:buChar char="●"/>
+            </a:lvl3pPr>
+            <a:lvl4pPr lvl="3">
+              <a:buSzPct val="45000"/>
+              <a:buFont typeface="StarSymbol"/>
+              <a:buChar char="●"/>
+            </a:lvl4pPr>
+            <a:lvl5pPr lvl="4">
+              <a:buSzPct val="45000"/>
+              <a:buFont typeface="StarSymbol"/>
+              <a:buChar char="●"/>
+            </a:lvl5pPr>
+            <a:lvl6pPr lvl="5">
+              <a:buSzPct val="45000"/>
+              <a:buFont typeface="StarSymbol"/>
+              <a:buChar char="●"/>
+            </a:lvl6pPr>
+            <a:lvl7pPr lvl="6">
+              <a:buSzPct val="45000"/>
+              <a:buFont typeface="StarSymbol"/>
+              <a:buChar char="●"/>
+            </a:lvl7pPr>
+            <a:lvl8pPr lvl="7">
+              <a:buSzPct val="45000"/>
+              <a:buFont typeface="StarSymbol"/>
+              <a:buChar char="●"/>
+            </a:lvl8pPr>
+            <a:lvl9pPr lvl="8">
+              <a:buSzPct val="45000"/>
+              <a:buFont typeface="StarSymbol"/>
+              <a:buChar char="●"/>
+            </a:lvl9pPr>
+          </a:lstStyle>
+          <a:p>
+            <a:pPr lvl="0">
+              <a:buNone/>
+            </a:pPr>
+            <a:r>
+              <a:rPr lang="en-GB" dirty="0" smtClean="0"/>
+              <a:t>Calculate Corrections</a:t>
+            </a:r>
+            <a:endParaRPr lang="en-GB" dirty="0"/>
+          </a:p>
+        </p:txBody>
+      </p:sp>
+      <p:sp>
+        <p:nvSpPr>
+          <p:cNvPr id="3" name="Text Placeholder 2"/>
+          <p:cNvSpPr txBox="1">
+            <a:spLocks noGrp="1"/>
+          </p:cNvSpPr>
+          <p:nvPr>
+            <p:ph type="body" idx="4294967295"/>
+          </p:nvPr>
+        </p:nvSpPr>
+        <p:spPr/>
+        <p:txBody>
+          <a:bodyPr/>
+          <a:lstStyle>
+            <a:defPPr marL="432000" lvl="0" indent="-324000">
+              <a:spcBef>
+                <a:spcPts val="0"/>
+              </a:spcBef>
+              <a:spcAft>
+                <a:spcPts val="1417"/>
+              </a:spcAft>
+              <a:buSzPct val="45000"/>
+              <a:buFont typeface="StarSymbol"/>
+              <a:buNone/>
+              <a:defRPr lang="en-GB" sz="3200" b="0" i="0" u="none" strike="noStrike" kern="1200">
+                <a:ln>
+                  <a:noFill/>
+                </a:ln>
+                <a:latin typeface="Arial" pitchFamily="18"/>
+                <a:ea typeface="Droid Sans Fallback" pitchFamily="2"/>
+                <a:cs typeface="Lohit Hindi" pitchFamily="2"/>
+              </a:defRPr>
+            </a:defPPr>
+            <a:lvl1pPr marL="432000" lvl="0" indent="-324000">
+              <a:spcBef>
+                <a:spcPts val="0"/>
+              </a:spcBef>
+              <a:spcAft>
+                <a:spcPts val="1417"/>
+              </a:spcAft>
+              <a:buSzPct val="45000"/>
+              <a:buFont typeface="StarSymbol"/>
+              <a:buChar char="●"/>
+              <a:defRPr lang="en-GB" sz="3200" b="0" i="0" u="none" strike="noStrike" kern="1200">
+                <a:ln>
+                  <a:noFill/>
+                </a:ln>
+                <a:latin typeface="Arial" pitchFamily="18"/>
+                <a:ea typeface="Droid Sans Fallback" pitchFamily="2"/>
+                <a:cs typeface="Lohit Hindi" pitchFamily="2"/>
+              </a:defRPr>
+            </a:lvl1pPr>
+            <a:lvl2pPr marL="864000" lvl="1" indent="-324000">
+              <a:spcBef>
+                <a:spcPts val="0"/>
+              </a:spcBef>
+              <a:spcAft>
+                <a:spcPts val="1134"/>
+              </a:spcAft>
+              <a:buSzPct val="75000"/>
+              <a:buFont typeface="StarSymbol"/>
+              <a:buChar char="–"/>
+              <a:defRPr lang="en-GB" sz="2800" b="0" i="0" u="none" strike="noStrike" kern="1200">
+                <a:ln>
+                  <a:noFill/>
+                </a:ln>
+                <a:latin typeface="Arial" pitchFamily="18"/>
+                <a:ea typeface="Droid Sans Fallback" pitchFamily="2"/>
+                <a:cs typeface="Lohit Hindi" pitchFamily="2"/>
+              </a:defRPr>
+            </a:lvl2pPr>
+            <a:lvl3pPr marL="1295999" lvl="2" indent="-288000">
+              <a:spcBef>
+                <a:spcPts val="0"/>
+              </a:spcBef>
+              <a:spcAft>
+                <a:spcPts val="850"/>
+              </a:spcAft>
+              <a:buSzPct val="45000"/>
+              <a:buFont typeface="StarSymbol"/>
+              <a:buChar char="●"/>
+              <a:defRPr lang="en-GB" sz="2400" b="0" i="0" u="none" strike="noStrike" kern="1200">
+                <a:ln>
+                  <a:noFill/>
+                </a:ln>
+                <a:latin typeface="Arial" pitchFamily="18"/>
+                <a:ea typeface="Droid Sans Fallback" pitchFamily="2"/>
+                <a:cs typeface="Lohit Hindi" pitchFamily="2"/>
+              </a:defRPr>
+            </a:lvl3pPr>
+            <a:lvl4pPr marL="1728000" lvl="3" indent="-216000">
+              <a:spcBef>
+                <a:spcPts val="0"/>
+              </a:spcBef>
+              <a:spcAft>
+                <a:spcPts val="567"/>
+              </a:spcAft>
+              <a:buSzPct val="75000"/>
+              <a:buFont typeface="StarSymbol"/>
+              <a:buChar char="–"/>
+              <a:defRPr lang="en-GB" sz="2000" b="0" i="0" u="none" strike="noStrike" kern="1200">
+                <a:ln>
+                  <a:noFill/>
+                </a:ln>
+                <a:latin typeface="Arial" pitchFamily="18"/>
+                <a:ea typeface="Droid Sans Fallback" pitchFamily="2"/>
+                <a:cs typeface="Lohit Hindi" pitchFamily="2"/>
+              </a:defRPr>
+            </a:lvl4pPr>
+            <a:lvl5pPr marL="2160000" lvl="4" indent="-216000">
+              <a:spcBef>
+                <a:spcPts val="0"/>
+              </a:spcBef>
+              <a:spcAft>
+                <a:spcPts val="283"/>
+              </a:spcAft>
+              <a:buSzPct val="45000"/>
+              <a:buFont typeface="StarSymbol"/>
+              <a:buChar char="●"/>
+              <a:defRPr lang="en-GB" sz="2000" b="0" i="0" u="none" strike="noStrike" kern="1200">
+                <a:ln>
+                  <a:noFill/>
+                </a:ln>
+                <a:latin typeface="Arial" pitchFamily="18"/>
+                <a:ea typeface="Droid Sans Fallback" pitchFamily="2"/>
+                <a:cs typeface="Lohit Hindi" pitchFamily="2"/>
+              </a:defRPr>
+            </a:lvl5pPr>
+            <a:lvl6pPr marL="2592000" lvl="5" indent="-216000">
+              <a:spcBef>
+                <a:spcPts val="0"/>
+              </a:spcBef>
+              <a:spcAft>
+                <a:spcPts val="283"/>
+              </a:spcAft>
+              <a:buSzPct val="45000"/>
+              <a:buFont typeface="StarSymbol"/>
+              <a:buChar char="●"/>
+              <a:defRPr lang="en-GB" sz="2000" b="0" i="0" u="none" strike="noStrike" kern="1200">
+                <a:ln>
+                  <a:noFill/>
+                </a:ln>
+                <a:latin typeface="Arial" pitchFamily="18"/>
+                <a:ea typeface="Droid Sans Fallback" pitchFamily="2"/>
+                <a:cs typeface="Lohit Hindi" pitchFamily="2"/>
+              </a:defRPr>
+            </a:lvl6pPr>
+            <a:lvl7pPr marL="3024000" lvl="6" indent="-216000">
+              <a:spcBef>
+                <a:spcPts val="0"/>
+              </a:spcBef>
+              <a:spcAft>
+                <a:spcPts val="283"/>
+              </a:spcAft>
+              <a:buSzPct val="45000"/>
+              <a:buFont typeface="StarSymbol"/>
+              <a:buChar char="●"/>
+              <a:defRPr lang="en-GB" sz="2000" b="0" i="0" u="none" strike="noStrike" kern="1200">
+                <a:ln>
+                  <a:noFill/>
+                </a:ln>
+                <a:latin typeface="Arial" pitchFamily="18"/>
+                <a:ea typeface="Droid Sans Fallback" pitchFamily="2"/>
+                <a:cs typeface="Lohit Hindi" pitchFamily="2"/>
+              </a:defRPr>
+            </a:lvl7pPr>
+            <a:lvl8pPr marL="3456000" lvl="7" indent="-216000">
+              <a:spcBef>
+                <a:spcPts val="0"/>
+              </a:spcBef>
+              <a:spcAft>
+                <a:spcPts val="283"/>
+              </a:spcAft>
+              <a:buSzPct val="45000"/>
+              <a:buFont typeface="StarSymbol"/>
+              <a:buChar char="●"/>
+              <a:defRPr lang="en-GB" sz="2000" b="0" i="0" u="none" strike="noStrike" kern="1200">
+                <a:ln>
+                  <a:noFill/>
+                </a:ln>
+                <a:latin typeface="Arial" pitchFamily="18"/>
+                <a:ea typeface="Droid Sans Fallback" pitchFamily="2"/>
+                <a:cs typeface="Lohit Hindi" pitchFamily="2"/>
+              </a:defRPr>
+            </a:lvl8pPr>
+            <a:lvl9pPr marL="3887999" lvl="8" indent="-216000">
+              <a:spcBef>
+                <a:spcPts val="0"/>
+              </a:spcBef>
+              <a:spcAft>
+                <a:spcPts val="283"/>
+              </a:spcAft>
+              <a:buSzPct val="45000"/>
+              <a:buFont typeface="StarSymbol"/>
+              <a:buChar char="●"/>
+              <a:defRPr lang="en-GB" sz="2000" b="0" i="0" u="none" strike="noStrike" kern="1200">
+                <a:ln>
+                  <a:noFill/>
+                </a:ln>
+                <a:latin typeface="Arial" pitchFamily="18"/>
+                <a:ea typeface="Droid Sans Fallback" pitchFamily="2"/>
+                <a:cs typeface="Lohit Hindi" pitchFamily="2"/>
+              </a:defRPr>
+            </a:lvl9pPr>
+          </a:lstStyle>
+          <a:p>
+            <a:pPr lvl="0"/>
+            <a:r>
+              <a:rPr lang="en-GB" dirty="0" smtClean="0"/>
+              <a:t>Can now enter values for cross sections as chemical formulas.</a:t>
+            </a:r>
+          </a:p>
+        </p:txBody>
+      </p:sp>
+      <p:pic>
+        <p:nvPicPr>
+          <p:cNvPr id="2050" name="Picture 2"/>
+          <p:cNvPicPr>
+            <a:picLocks noChangeAspect="1" noChangeArrowheads="1"/>
+          </p:cNvPicPr>
+          <p:nvPr/>
+        </p:nvPicPr>
+        <p:blipFill>
+          <a:blip r:embed="rId3">
+            <a:extLst>
+              <a:ext uri="{28A0092B-C50C-407E-A947-70E740481C1C}">
+                <a14:useLocalDpi xmlns:a14="http://schemas.microsoft.com/office/drawing/2010/main" val="0"/>
+              </a:ext>
+            </a:extLst>
+          </a:blip>
+          <a:srcRect/>
+          <a:stretch>
+            <a:fillRect/>
+          </a:stretch>
+        </p:blipFill>
+        <p:spPr bwMode="auto">
+          <a:xfrm>
+            <a:off x="2487939" y="2987749"/>
+            <a:ext cx="5040560" cy="4170648"/>
+          </a:xfrm>
+          <a:prstGeom prst="rect">
+            <a:avLst/>
+          </a:prstGeom>
+          <a:noFill/>
+          <a:ln>
+            <a:noFill/>
+          </a:ln>
+          <a:extLst>
+            <a:ext uri="{909E8E84-426E-40DD-AFC4-6F175D3DCCD1}">
+              <a14:hiddenFill xmlns:a14="http://schemas.microsoft.com/office/drawing/2010/main">
+                <a:solidFill>
+                  <a:schemeClr val="accent1"/>
+                </a:solidFill>
+              </a14:hiddenFill>
+            </a:ext>
+            <a:ext uri="{91240B29-F687-4F45-9708-019B960494DF}">
+              <a14:hiddenLine xmlns:a14="http://schemas.microsoft.com/office/drawing/2010/main" w="9525">
+                <a:solidFill>
+                  <a:schemeClr val="tx1"/>
+                </a:solidFill>
+                <a:miter lim="800000"/>
+                <a:headEnd/>
+                <a:tailEnd/>
+              </a14:hiddenLine>
+            </a:ext>
+          </a:extLst>
+        </p:spPr>
+      </p:pic>
+    </p:spTree>
+    <p:extLst>
+      <p:ext uri="{BB962C8B-B14F-4D97-AF65-F5344CB8AC3E}">
+        <p14:creationId xmlns:p14="http://schemas.microsoft.com/office/powerpoint/2010/main" val="247963998"/>
+      </p:ext>
+    </p:extLst>
+  </p:cSld>
+  <p:clrMapOvr>
+    <a:masterClrMapping/>
+  </p:clrMapOvr>
+  <mc:AlternateContent xmlns:mc="http://schemas.openxmlformats.org/markup-compatibility/2006" xmlns:p14="http://schemas.microsoft.com/office/powerpoint/2010/main">
+    <mc:Choice Requires="p14">
+      <p:transition spd="slow" p14:dur="2000"/>
+    </mc:Choice>
+    <mc:Fallback xmlns="">
+      <p:transition spd="slow"/>
+    </mc:Fallback>
+  </mc:AlternateContent>
+  <p:timing>
+    <p:tnLst>
+      <p:par>
+        <p:cTn id="1" dur="indefinite" restart="never" nodeType="tmRoot"/>
+      </p:par>
+    </p:tnLst>
+  </p:timing>
+</p:sld>
+</file>
+
+<file path=ppt/slides/slide11.xml><?xml version="1.0" encoding="utf-8"?>
+<p:sld xmlns:a="http://schemas.openxmlformats.org/drawingml/2006/main" xmlns:r="http://schemas.openxmlformats.org/officeDocument/2006/relationships" xmlns:p="http://schemas.openxmlformats.org/presentationml/2006/main">
   <p:cSld name="page10">
     <p:spTree>
       <p:nvGrpSpPr>
@@ -5370,7 +5831,7 @@
             <a:pPr lvl="1"/>
             <a:r>
               <a:rPr lang="en-GB" dirty="0" smtClean="0"/>
-              <a:t>DFInterp1DFit</a:t>
+              <a:t>DSFInterp1DFit</a:t>
             </a:r>
             <a:endParaRPr lang="en-GB" dirty="0" smtClean="0"/>
           </a:p>
@@ -5445,7 +5906,400 @@
 </p:sld>
 </file>
 
-<file path=ppt/slides/slide11.xml><?xml version="1.0" encoding="utf-8"?>
+<file path=ppt/slides/slide12.xml><?xml version="1.0" encoding="utf-8"?>
+<p:sld xmlns:a="http://schemas.openxmlformats.org/drawingml/2006/main" xmlns:r="http://schemas.openxmlformats.org/officeDocument/2006/relationships" xmlns:p="http://schemas.openxmlformats.org/presentationml/2006/main">
+  <p:cSld name="page12">
+    <p:spTree>
+      <p:nvGrpSpPr>
+        <p:cNvPr id="1" name=""/>
+        <p:cNvGrpSpPr/>
+        <p:nvPr/>
+      </p:nvGrpSpPr>
+      <p:grpSpPr>
+        <a:xfrm>
+          <a:off x="0" y="0"/>
+          <a:ext cx="0" cy="0"/>
+          <a:chOff x="0" y="0"/>
+          <a:chExt cx="0" cy="0"/>
+        </a:xfrm>
+      </p:grpSpPr>
+      <p:sp>
+        <p:nvSpPr>
+          <p:cNvPr id="2" name="Title 1"/>
+          <p:cNvSpPr txBox="1">
+            <a:spLocks noGrp="1"/>
+          </p:cNvSpPr>
+          <p:nvPr>
+            <p:ph type="title" idx="4294967295"/>
+          </p:nvPr>
+        </p:nvSpPr>
+        <p:spPr/>
+        <p:txBody>
+          <a:bodyPr/>
+          <a:lstStyle>
+            <a:defPPr lvl="0">
+              <a:buSzPct val="45000"/>
+              <a:buFont typeface="StarSymbol"/>
+              <a:buNone/>
+            </a:defPPr>
+            <a:lvl1pPr lvl="0">
+              <a:buSzPct val="45000"/>
+              <a:buFont typeface="StarSymbol"/>
+              <a:buChar char="●"/>
+            </a:lvl1pPr>
+            <a:lvl2pPr lvl="1">
+              <a:buSzPct val="45000"/>
+              <a:buFont typeface="StarSymbol"/>
+              <a:buChar char="●"/>
+            </a:lvl2pPr>
+            <a:lvl3pPr lvl="2">
+              <a:buSzPct val="45000"/>
+              <a:buFont typeface="StarSymbol"/>
+              <a:buChar char="●"/>
+            </a:lvl3pPr>
+            <a:lvl4pPr lvl="3">
+              <a:buSzPct val="45000"/>
+              <a:buFont typeface="StarSymbol"/>
+              <a:buChar char="●"/>
+            </a:lvl4pPr>
+            <a:lvl5pPr lvl="4">
+              <a:buSzPct val="45000"/>
+              <a:buFont typeface="StarSymbol"/>
+              <a:buChar char="●"/>
+            </a:lvl5pPr>
+            <a:lvl6pPr lvl="5">
+              <a:buSzPct val="45000"/>
+              <a:buFont typeface="StarSymbol"/>
+              <a:buChar char="●"/>
+            </a:lvl6pPr>
+            <a:lvl7pPr lvl="6">
+              <a:buSzPct val="45000"/>
+              <a:buFont typeface="StarSymbol"/>
+              <a:buChar char="●"/>
+            </a:lvl7pPr>
+            <a:lvl8pPr lvl="7">
+              <a:buSzPct val="45000"/>
+              <a:buFont typeface="StarSymbol"/>
+              <a:buChar char="●"/>
+            </a:lvl8pPr>
+            <a:lvl9pPr lvl="8">
+              <a:buSzPct val="45000"/>
+              <a:buFont typeface="StarSymbol"/>
+              <a:buChar char="●"/>
+            </a:lvl9pPr>
+          </a:lstStyle>
+          <a:p>
+            <a:pPr lvl="0">
+              <a:buNone/>
+            </a:pPr>
+            <a:r>
+              <a:rPr lang="en-GB" dirty="0" smtClean="0"/>
+              <a:t>Simulation</a:t>
+            </a:r>
+            <a:endParaRPr lang="en-GB" dirty="0"/>
+          </a:p>
+        </p:txBody>
+      </p:sp>
+      <p:sp>
+        <p:nvSpPr>
+          <p:cNvPr id="3" name="Text Placeholder 2"/>
+          <p:cNvSpPr txBox="1">
+            <a:spLocks noGrp="1"/>
+          </p:cNvSpPr>
+          <p:nvPr>
+            <p:ph type="body" idx="4294967295"/>
+          </p:nvPr>
+        </p:nvSpPr>
+        <p:spPr/>
+        <p:txBody>
+          <a:bodyPr/>
+          <a:lstStyle>
+            <a:defPPr marL="432000" lvl="0" indent="-324000">
+              <a:spcBef>
+                <a:spcPts val="0"/>
+              </a:spcBef>
+              <a:spcAft>
+                <a:spcPts val="1417"/>
+              </a:spcAft>
+              <a:buSzPct val="45000"/>
+              <a:buFont typeface="StarSymbol"/>
+              <a:buNone/>
+              <a:defRPr lang="en-GB" sz="3200" b="0" i="0" u="none" strike="noStrike" kern="1200">
+                <a:ln>
+                  <a:noFill/>
+                </a:ln>
+                <a:latin typeface="Arial" pitchFamily="18"/>
+                <a:ea typeface="Droid Sans Fallback" pitchFamily="2"/>
+                <a:cs typeface="Lohit Hindi" pitchFamily="2"/>
+              </a:defRPr>
+            </a:defPPr>
+            <a:lvl1pPr marL="432000" lvl="0" indent="-324000">
+              <a:spcBef>
+                <a:spcPts val="0"/>
+              </a:spcBef>
+              <a:spcAft>
+                <a:spcPts val="1417"/>
+              </a:spcAft>
+              <a:buSzPct val="45000"/>
+              <a:buFont typeface="StarSymbol"/>
+              <a:buChar char="●"/>
+              <a:defRPr lang="en-GB" sz="3200" b="0" i="0" u="none" strike="noStrike" kern="1200">
+                <a:ln>
+                  <a:noFill/>
+                </a:ln>
+                <a:latin typeface="Arial" pitchFamily="18"/>
+                <a:ea typeface="Droid Sans Fallback" pitchFamily="2"/>
+                <a:cs typeface="Lohit Hindi" pitchFamily="2"/>
+              </a:defRPr>
+            </a:lvl1pPr>
+            <a:lvl2pPr marL="864000" lvl="1" indent="-324000">
+              <a:spcBef>
+                <a:spcPts val="0"/>
+              </a:spcBef>
+              <a:spcAft>
+                <a:spcPts val="1134"/>
+              </a:spcAft>
+              <a:buSzPct val="75000"/>
+              <a:buFont typeface="StarSymbol"/>
+              <a:buChar char="–"/>
+              <a:defRPr lang="en-GB" sz="2800" b="0" i="0" u="none" strike="noStrike" kern="1200">
+                <a:ln>
+                  <a:noFill/>
+                </a:ln>
+                <a:latin typeface="Arial" pitchFamily="18"/>
+                <a:ea typeface="Droid Sans Fallback" pitchFamily="2"/>
+                <a:cs typeface="Lohit Hindi" pitchFamily="2"/>
+              </a:defRPr>
+            </a:lvl2pPr>
+            <a:lvl3pPr marL="1295999" lvl="2" indent="-288000">
+              <a:spcBef>
+                <a:spcPts val="0"/>
+              </a:spcBef>
+              <a:spcAft>
+                <a:spcPts val="850"/>
+              </a:spcAft>
+              <a:buSzPct val="45000"/>
+              <a:buFont typeface="StarSymbol"/>
+              <a:buChar char="●"/>
+              <a:defRPr lang="en-GB" sz="2400" b="0" i="0" u="none" strike="noStrike" kern="1200">
+                <a:ln>
+                  <a:noFill/>
+                </a:ln>
+                <a:latin typeface="Arial" pitchFamily="18"/>
+                <a:ea typeface="Droid Sans Fallback" pitchFamily="2"/>
+                <a:cs typeface="Lohit Hindi" pitchFamily="2"/>
+              </a:defRPr>
+            </a:lvl3pPr>
+            <a:lvl4pPr marL="1728000" lvl="3" indent="-216000">
+              <a:spcBef>
+                <a:spcPts val="0"/>
+              </a:spcBef>
+              <a:spcAft>
+                <a:spcPts val="567"/>
+              </a:spcAft>
+              <a:buSzPct val="75000"/>
+              <a:buFont typeface="StarSymbol"/>
+              <a:buChar char="–"/>
+              <a:defRPr lang="en-GB" sz="2000" b="0" i="0" u="none" strike="noStrike" kern="1200">
+                <a:ln>
+                  <a:noFill/>
+                </a:ln>
+                <a:latin typeface="Arial" pitchFamily="18"/>
+                <a:ea typeface="Droid Sans Fallback" pitchFamily="2"/>
+                <a:cs typeface="Lohit Hindi" pitchFamily="2"/>
+              </a:defRPr>
+            </a:lvl4pPr>
+            <a:lvl5pPr marL="2160000" lvl="4" indent="-216000">
+              <a:spcBef>
+                <a:spcPts val="0"/>
+              </a:spcBef>
+              <a:spcAft>
+                <a:spcPts val="283"/>
+              </a:spcAft>
+              <a:buSzPct val="45000"/>
+              <a:buFont typeface="StarSymbol"/>
+              <a:buChar char="●"/>
+              <a:defRPr lang="en-GB" sz="2000" b="0" i="0" u="none" strike="noStrike" kern="1200">
+                <a:ln>
+                  <a:noFill/>
+                </a:ln>
+                <a:latin typeface="Arial" pitchFamily="18"/>
+                <a:ea typeface="Droid Sans Fallback" pitchFamily="2"/>
+                <a:cs typeface="Lohit Hindi" pitchFamily="2"/>
+              </a:defRPr>
+            </a:lvl5pPr>
+            <a:lvl6pPr marL="2592000" lvl="5" indent="-216000">
+              <a:spcBef>
+                <a:spcPts val="0"/>
+              </a:spcBef>
+              <a:spcAft>
+                <a:spcPts val="283"/>
+              </a:spcAft>
+              <a:buSzPct val="45000"/>
+              <a:buFont typeface="StarSymbol"/>
+              <a:buChar char="●"/>
+              <a:defRPr lang="en-GB" sz="2000" b="0" i="0" u="none" strike="noStrike" kern="1200">
+                <a:ln>
+                  <a:noFill/>
+                </a:ln>
+                <a:latin typeface="Arial" pitchFamily="18"/>
+                <a:ea typeface="Droid Sans Fallback" pitchFamily="2"/>
+                <a:cs typeface="Lohit Hindi" pitchFamily="2"/>
+              </a:defRPr>
+            </a:lvl6pPr>
+            <a:lvl7pPr marL="3024000" lvl="6" indent="-216000">
+              <a:spcBef>
+                <a:spcPts val="0"/>
+              </a:spcBef>
+              <a:spcAft>
+                <a:spcPts val="283"/>
+              </a:spcAft>
+              <a:buSzPct val="45000"/>
+              <a:buFont typeface="StarSymbol"/>
+              <a:buChar char="●"/>
+              <a:defRPr lang="en-GB" sz="2000" b="0" i="0" u="none" strike="noStrike" kern="1200">
+                <a:ln>
+                  <a:noFill/>
+                </a:ln>
+                <a:latin typeface="Arial" pitchFamily="18"/>
+                <a:ea typeface="Droid Sans Fallback" pitchFamily="2"/>
+                <a:cs typeface="Lohit Hindi" pitchFamily="2"/>
+              </a:defRPr>
+            </a:lvl7pPr>
+            <a:lvl8pPr marL="3456000" lvl="7" indent="-216000">
+              <a:spcBef>
+                <a:spcPts val="0"/>
+              </a:spcBef>
+              <a:spcAft>
+                <a:spcPts val="283"/>
+              </a:spcAft>
+              <a:buSzPct val="45000"/>
+              <a:buFont typeface="StarSymbol"/>
+              <a:buChar char="●"/>
+              <a:defRPr lang="en-GB" sz="2000" b="0" i="0" u="none" strike="noStrike" kern="1200">
+                <a:ln>
+                  <a:noFill/>
+                </a:ln>
+                <a:latin typeface="Arial" pitchFamily="18"/>
+                <a:ea typeface="Droid Sans Fallback" pitchFamily="2"/>
+                <a:cs typeface="Lohit Hindi" pitchFamily="2"/>
+              </a:defRPr>
+            </a:lvl8pPr>
+            <a:lvl9pPr marL="3887999" lvl="8" indent="-216000">
+              <a:spcBef>
+                <a:spcPts val="0"/>
+              </a:spcBef>
+              <a:spcAft>
+                <a:spcPts val="283"/>
+              </a:spcAft>
+              <a:buSzPct val="45000"/>
+              <a:buFont typeface="StarSymbol"/>
+              <a:buChar char="●"/>
+              <a:defRPr lang="en-GB" sz="2000" b="0" i="0" u="none" strike="noStrike" kern="1200">
+                <a:ln>
+                  <a:noFill/>
+                </a:ln>
+                <a:latin typeface="Arial" pitchFamily="18"/>
+                <a:ea typeface="Droid Sans Fallback" pitchFamily="2"/>
+                <a:cs typeface="Lohit Hindi" pitchFamily="2"/>
+              </a:defRPr>
+            </a:lvl9pPr>
+          </a:lstStyle>
+          <a:p>
+            <a:pPr lvl="0"/>
+            <a:r>
+              <a:rPr lang="en-GB" dirty="0" err="1" smtClean="0"/>
+              <a:t>nMOLDYN</a:t>
+            </a:r>
+            <a:r>
+              <a:rPr lang="en-GB" dirty="0" smtClean="0"/>
+              <a:t> </a:t>
+            </a:r>
+            <a:r>
+              <a:rPr lang="en-GB" dirty="0"/>
+              <a:t>u</a:t>
+            </a:r>
+            <a:r>
+              <a:rPr lang="en-GB" dirty="0" smtClean="0"/>
+              <a:t>sed </a:t>
+            </a:r>
+            <a:r>
+              <a:rPr lang="en-GB" dirty="0"/>
+              <a:t>to be in Indirect Load ASCII</a:t>
+            </a:r>
+          </a:p>
+          <a:p>
+            <a:pPr lvl="0"/>
+            <a:r>
+              <a:rPr lang="en-GB" dirty="0"/>
+              <a:t>Moved to Indirect Simulation</a:t>
+            </a:r>
+          </a:p>
+          <a:p>
+            <a:pPr lvl="1" rtl="0" hangingPunct="0"/>
+            <a:r>
+              <a:rPr lang="en-GB" dirty="0"/>
+              <a:t>We want to add more </a:t>
+            </a:r>
+            <a:r>
+              <a:rPr lang="en-GB" dirty="0" err="1"/>
+              <a:t>nMOLDYN</a:t>
+            </a:r>
+            <a:r>
+              <a:rPr lang="en-GB" dirty="0"/>
+              <a:t> support</a:t>
+            </a:r>
+          </a:p>
+          <a:p>
+            <a:pPr lvl="1" rtl="0" hangingPunct="0"/>
+            <a:r>
+              <a:rPr lang="en-GB" dirty="0" err="1"/>
+              <a:t>Sassena</a:t>
+            </a:r>
+            <a:r>
+              <a:rPr lang="en-GB" dirty="0"/>
+              <a:t> integration to come</a:t>
+            </a:r>
+            <a:r>
+              <a:rPr lang="en-GB" dirty="0" smtClean="0"/>
+              <a:t>. (Jose)</a:t>
+            </a:r>
+            <a:endParaRPr lang="en-GB" dirty="0"/>
+          </a:p>
+          <a:p>
+            <a:pPr lvl="1" rtl="0" hangingPunct="0"/>
+            <a:r>
+              <a:rPr lang="en-GB" dirty="0" err="1"/>
+              <a:t>DensityOfStates</a:t>
+            </a:r>
+            <a:endParaRPr lang="en-GB" dirty="0"/>
+          </a:p>
+        </p:txBody>
+      </p:sp>
+    </p:spTree>
+  </p:cSld>
+  <p:clrMapOvr>
+    <a:masterClrMapping/>
+  </p:clrMapOvr>
+  <mc:AlternateContent xmlns:mc="http://schemas.openxmlformats.org/markup-compatibility/2006" xmlns:p14="http://schemas.microsoft.com/office/powerpoint/2010/main">
+    <mc:Choice Requires="p14">
+      <p:transition spd="slow" p14:dur="2000"/>
+    </mc:Choice>
+    <mc:Fallback xmlns="">
+      <p:transition spd="slow"/>
+    </mc:Fallback>
+  </mc:AlternateContent>
+  <p:timing>
+    <p:tnLst>
+      <p:par>
+        <p:cTn id="1" dur="indefinite" restart="never" nodeType="tmRoot"/>
+      </p:par>
+    </p:tnLst>
+  </p:timing>
+</p:sld>
+</file>
+
+<file path=ppt/slides/slide13.xml><?xml version="1.0" encoding="utf-8"?>
 <p:sld xmlns:a="http://schemas.openxmlformats.org/drawingml/2006/main" xmlns:r="http://schemas.openxmlformats.org/officeDocument/2006/relationships" xmlns:p="http://schemas.openxmlformats.org/presentationml/2006/main">
   <p:cSld name="page11">
     <p:spTree>
@@ -5819,366 +6673,7 @@
 </p:sld>
 </file>
 
-<file path=ppt/slides/slide12.xml><?xml version="1.0" encoding="utf-8"?>
-<p:sld xmlns:a="http://schemas.openxmlformats.org/drawingml/2006/main" xmlns:r="http://schemas.openxmlformats.org/officeDocument/2006/relationships" xmlns:p="http://schemas.openxmlformats.org/presentationml/2006/main">
-  <p:cSld name="page12">
-    <p:spTree>
-      <p:nvGrpSpPr>
-        <p:cNvPr id="1" name=""/>
-        <p:cNvGrpSpPr/>
-        <p:nvPr/>
-      </p:nvGrpSpPr>
-      <p:grpSpPr>
-        <a:xfrm>
-          <a:off x="0" y="0"/>
-          <a:ext cx="0" cy="0"/>
-          <a:chOff x="0" y="0"/>
-          <a:chExt cx="0" cy="0"/>
-        </a:xfrm>
-      </p:grpSpPr>
-      <p:sp>
-        <p:nvSpPr>
-          <p:cNvPr id="2" name="Title 1"/>
-          <p:cNvSpPr txBox="1">
-            <a:spLocks noGrp="1"/>
-          </p:cNvSpPr>
-          <p:nvPr>
-            <p:ph type="title" idx="4294967295"/>
-          </p:nvPr>
-        </p:nvSpPr>
-        <p:spPr/>
-        <p:txBody>
-          <a:bodyPr/>
-          <a:lstStyle>
-            <a:defPPr lvl="0">
-              <a:buSzPct val="45000"/>
-              <a:buFont typeface="StarSymbol"/>
-              <a:buNone/>
-            </a:defPPr>
-            <a:lvl1pPr lvl="0">
-              <a:buSzPct val="45000"/>
-              <a:buFont typeface="StarSymbol"/>
-              <a:buChar char="●"/>
-            </a:lvl1pPr>
-            <a:lvl2pPr lvl="1">
-              <a:buSzPct val="45000"/>
-              <a:buFont typeface="StarSymbol"/>
-              <a:buChar char="●"/>
-            </a:lvl2pPr>
-            <a:lvl3pPr lvl="2">
-              <a:buSzPct val="45000"/>
-              <a:buFont typeface="StarSymbol"/>
-              <a:buChar char="●"/>
-            </a:lvl3pPr>
-            <a:lvl4pPr lvl="3">
-              <a:buSzPct val="45000"/>
-              <a:buFont typeface="StarSymbol"/>
-              <a:buChar char="●"/>
-            </a:lvl4pPr>
-            <a:lvl5pPr lvl="4">
-              <a:buSzPct val="45000"/>
-              <a:buFont typeface="StarSymbol"/>
-              <a:buChar char="●"/>
-            </a:lvl5pPr>
-            <a:lvl6pPr lvl="5">
-              <a:buSzPct val="45000"/>
-              <a:buFont typeface="StarSymbol"/>
-              <a:buChar char="●"/>
-            </a:lvl6pPr>
-            <a:lvl7pPr lvl="6">
-              <a:buSzPct val="45000"/>
-              <a:buFont typeface="StarSymbol"/>
-              <a:buChar char="●"/>
-            </a:lvl7pPr>
-            <a:lvl8pPr lvl="7">
-              <a:buSzPct val="45000"/>
-              <a:buFont typeface="StarSymbol"/>
-              <a:buChar char="●"/>
-            </a:lvl8pPr>
-            <a:lvl9pPr lvl="8">
-              <a:buSzPct val="45000"/>
-              <a:buFont typeface="StarSymbol"/>
-              <a:buChar char="●"/>
-            </a:lvl9pPr>
-          </a:lstStyle>
-          <a:p>
-            <a:pPr lvl="0">
-              <a:buNone/>
-            </a:pPr>
-            <a:r>
-              <a:rPr lang="en-GB" dirty="0" smtClean="0"/>
-              <a:t>Simulation</a:t>
-            </a:r>
-            <a:endParaRPr lang="en-GB" dirty="0"/>
-          </a:p>
-        </p:txBody>
-      </p:sp>
-      <p:sp>
-        <p:nvSpPr>
-          <p:cNvPr id="3" name="Text Placeholder 2"/>
-          <p:cNvSpPr txBox="1">
-            <a:spLocks noGrp="1"/>
-          </p:cNvSpPr>
-          <p:nvPr>
-            <p:ph type="body" idx="4294967295"/>
-          </p:nvPr>
-        </p:nvSpPr>
-        <p:spPr/>
-        <p:txBody>
-          <a:bodyPr/>
-          <a:lstStyle>
-            <a:defPPr marL="432000" lvl="0" indent="-324000">
-              <a:spcBef>
-                <a:spcPts val="0"/>
-              </a:spcBef>
-              <a:spcAft>
-                <a:spcPts val="1417"/>
-              </a:spcAft>
-              <a:buSzPct val="45000"/>
-              <a:buFont typeface="StarSymbol"/>
-              <a:buNone/>
-              <a:defRPr lang="en-GB" sz="3200" b="0" i="0" u="none" strike="noStrike" kern="1200">
-                <a:ln>
-                  <a:noFill/>
-                </a:ln>
-                <a:latin typeface="Arial" pitchFamily="18"/>
-                <a:ea typeface="Droid Sans Fallback" pitchFamily="2"/>
-                <a:cs typeface="Lohit Hindi" pitchFamily="2"/>
-              </a:defRPr>
-            </a:defPPr>
-            <a:lvl1pPr marL="432000" lvl="0" indent="-324000">
-              <a:spcBef>
-                <a:spcPts val="0"/>
-              </a:spcBef>
-              <a:spcAft>
-                <a:spcPts val="1417"/>
-              </a:spcAft>
-              <a:buSzPct val="45000"/>
-              <a:buFont typeface="StarSymbol"/>
-              <a:buChar char="●"/>
-              <a:defRPr lang="en-GB" sz="3200" b="0" i="0" u="none" strike="noStrike" kern="1200">
-                <a:ln>
-                  <a:noFill/>
-                </a:ln>
-                <a:latin typeface="Arial" pitchFamily="18"/>
-                <a:ea typeface="Droid Sans Fallback" pitchFamily="2"/>
-                <a:cs typeface="Lohit Hindi" pitchFamily="2"/>
-              </a:defRPr>
-            </a:lvl1pPr>
-            <a:lvl2pPr marL="864000" lvl="1" indent="-324000">
-              <a:spcBef>
-                <a:spcPts val="0"/>
-              </a:spcBef>
-              <a:spcAft>
-                <a:spcPts val="1134"/>
-              </a:spcAft>
-              <a:buSzPct val="75000"/>
-              <a:buFont typeface="StarSymbol"/>
-              <a:buChar char="–"/>
-              <a:defRPr lang="en-GB" sz="2800" b="0" i="0" u="none" strike="noStrike" kern="1200">
-                <a:ln>
-                  <a:noFill/>
-                </a:ln>
-                <a:latin typeface="Arial" pitchFamily="18"/>
-                <a:ea typeface="Droid Sans Fallback" pitchFamily="2"/>
-                <a:cs typeface="Lohit Hindi" pitchFamily="2"/>
-              </a:defRPr>
-            </a:lvl2pPr>
-            <a:lvl3pPr marL="1295999" lvl="2" indent="-288000">
-              <a:spcBef>
-                <a:spcPts val="0"/>
-              </a:spcBef>
-              <a:spcAft>
-                <a:spcPts val="850"/>
-              </a:spcAft>
-              <a:buSzPct val="45000"/>
-              <a:buFont typeface="StarSymbol"/>
-              <a:buChar char="●"/>
-              <a:defRPr lang="en-GB" sz="2400" b="0" i="0" u="none" strike="noStrike" kern="1200">
-                <a:ln>
-                  <a:noFill/>
-                </a:ln>
-                <a:latin typeface="Arial" pitchFamily="18"/>
-                <a:ea typeface="Droid Sans Fallback" pitchFamily="2"/>
-                <a:cs typeface="Lohit Hindi" pitchFamily="2"/>
-              </a:defRPr>
-            </a:lvl3pPr>
-            <a:lvl4pPr marL="1728000" lvl="3" indent="-216000">
-              <a:spcBef>
-                <a:spcPts val="0"/>
-              </a:spcBef>
-              <a:spcAft>
-                <a:spcPts val="567"/>
-              </a:spcAft>
-              <a:buSzPct val="75000"/>
-              <a:buFont typeface="StarSymbol"/>
-              <a:buChar char="–"/>
-              <a:defRPr lang="en-GB" sz="2000" b="0" i="0" u="none" strike="noStrike" kern="1200">
-                <a:ln>
-                  <a:noFill/>
-                </a:ln>
-                <a:latin typeface="Arial" pitchFamily="18"/>
-                <a:ea typeface="Droid Sans Fallback" pitchFamily="2"/>
-                <a:cs typeface="Lohit Hindi" pitchFamily="2"/>
-              </a:defRPr>
-            </a:lvl4pPr>
-            <a:lvl5pPr marL="2160000" lvl="4" indent="-216000">
-              <a:spcBef>
-                <a:spcPts val="0"/>
-              </a:spcBef>
-              <a:spcAft>
-                <a:spcPts val="283"/>
-              </a:spcAft>
-              <a:buSzPct val="45000"/>
-              <a:buFont typeface="StarSymbol"/>
-              <a:buChar char="●"/>
-              <a:defRPr lang="en-GB" sz="2000" b="0" i="0" u="none" strike="noStrike" kern="1200">
-                <a:ln>
-                  <a:noFill/>
-                </a:ln>
-                <a:latin typeface="Arial" pitchFamily="18"/>
-                <a:ea typeface="Droid Sans Fallback" pitchFamily="2"/>
-                <a:cs typeface="Lohit Hindi" pitchFamily="2"/>
-              </a:defRPr>
-            </a:lvl5pPr>
-            <a:lvl6pPr marL="2592000" lvl="5" indent="-216000">
-              <a:spcBef>
-                <a:spcPts val="0"/>
-              </a:spcBef>
-              <a:spcAft>
-                <a:spcPts val="283"/>
-              </a:spcAft>
-              <a:buSzPct val="45000"/>
-              <a:buFont typeface="StarSymbol"/>
-              <a:buChar char="●"/>
-              <a:defRPr lang="en-GB" sz="2000" b="0" i="0" u="none" strike="noStrike" kern="1200">
-                <a:ln>
-                  <a:noFill/>
-                </a:ln>
-                <a:latin typeface="Arial" pitchFamily="18"/>
-                <a:ea typeface="Droid Sans Fallback" pitchFamily="2"/>
-                <a:cs typeface="Lohit Hindi" pitchFamily="2"/>
-              </a:defRPr>
-            </a:lvl6pPr>
-            <a:lvl7pPr marL="3024000" lvl="6" indent="-216000">
-              <a:spcBef>
-                <a:spcPts val="0"/>
-              </a:spcBef>
-              <a:spcAft>
-                <a:spcPts val="283"/>
-              </a:spcAft>
-              <a:buSzPct val="45000"/>
-              <a:buFont typeface="StarSymbol"/>
-              <a:buChar char="●"/>
-              <a:defRPr lang="en-GB" sz="2000" b="0" i="0" u="none" strike="noStrike" kern="1200">
-                <a:ln>
-                  <a:noFill/>
-                </a:ln>
-                <a:latin typeface="Arial" pitchFamily="18"/>
-                <a:ea typeface="Droid Sans Fallback" pitchFamily="2"/>
-                <a:cs typeface="Lohit Hindi" pitchFamily="2"/>
-              </a:defRPr>
-            </a:lvl7pPr>
-            <a:lvl8pPr marL="3456000" lvl="7" indent="-216000">
-              <a:spcBef>
-                <a:spcPts val="0"/>
-              </a:spcBef>
-              <a:spcAft>
-                <a:spcPts val="283"/>
-              </a:spcAft>
-              <a:buSzPct val="45000"/>
-              <a:buFont typeface="StarSymbol"/>
-              <a:buChar char="●"/>
-              <a:defRPr lang="en-GB" sz="2000" b="0" i="0" u="none" strike="noStrike" kern="1200">
-                <a:ln>
-                  <a:noFill/>
-                </a:ln>
-                <a:latin typeface="Arial" pitchFamily="18"/>
-                <a:ea typeface="Droid Sans Fallback" pitchFamily="2"/>
-                <a:cs typeface="Lohit Hindi" pitchFamily="2"/>
-              </a:defRPr>
-            </a:lvl8pPr>
-            <a:lvl9pPr marL="3887999" lvl="8" indent="-216000">
-              <a:spcBef>
-                <a:spcPts val="0"/>
-              </a:spcBef>
-              <a:spcAft>
-                <a:spcPts val="283"/>
-              </a:spcAft>
-              <a:buSzPct val="45000"/>
-              <a:buFont typeface="StarSymbol"/>
-              <a:buChar char="●"/>
-              <a:defRPr lang="en-GB" sz="2000" b="0" i="0" u="none" strike="noStrike" kern="1200">
-                <a:ln>
-                  <a:noFill/>
-                </a:ln>
-                <a:latin typeface="Arial" pitchFamily="18"/>
-                <a:ea typeface="Droid Sans Fallback" pitchFamily="2"/>
-                <a:cs typeface="Lohit Hindi" pitchFamily="2"/>
-              </a:defRPr>
-            </a:lvl9pPr>
-          </a:lstStyle>
-          <a:p>
-            <a:pPr lvl="0"/>
-            <a:r>
-              <a:rPr lang="en-GB"/>
-              <a:t>Used to be in Indirect Load ASCII</a:t>
-            </a:r>
-          </a:p>
-          <a:p>
-            <a:pPr lvl="0"/>
-            <a:r>
-              <a:rPr lang="en-GB"/>
-              <a:t>Moved to Indirect Simulation</a:t>
-            </a:r>
-          </a:p>
-          <a:p>
-            <a:pPr lvl="1" rtl="0" hangingPunct="0"/>
-            <a:r>
-              <a:rPr lang="en-GB"/>
-              <a:t>We want to add more nMOLDYN support</a:t>
-            </a:r>
-          </a:p>
-          <a:p>
-            <a:pPr lvl="1" rtl="0" hangingPunct="0"/>
-            <a:r>
-              <a:rPr lang="en-GB"/>
-              <a:t>Sassena integration to come.</a:t>
-            </a:r>
-          </a:p>
-          <a:p>
-            <a:pPr lvl="1" rtl="0" hangingPunct="0"/>
-            <a:r>
-              <a:rPr lang="en-GB"/>
-              <a:t>DensityOfStates</a:t>
-            </a:r>
-          </a:p>
-        </p:txBody>
-      </p:sp>
-    </p:spTree>
-  </p:cSld>
-  <p:clrMapOvr>
-    <a:masterClrMapping/>
-  </p:clrMapOvr>
-  <mc:AlternateContent xmlns:mc="http://schemas.openxmlformats.org/markup-compatibility/2006" xmlns:p14="http://schemas.microsoft.com/office/powerpoint/2010/main">
-    <mc:Choice Requires="p14">
-      <p:transition spd="slow" p14:dur="2000"/>
-    </mc:Choice>
-    <mc:Fallback xmlns="">
-      <p:transition spd="slow"/>
-    </mc:Fallback>
-  </mc:AlternateContent>
-  <p:timing>
-    <p:tnLst>
-      <p:par>
-        <p:cTn id="1" dur="indefinite" restart="never" nodeType="tmRoot"/>
-      </p:par>
-    </p:tnLst>
-  </p:timing>
-</p:sld>
-</file>
-
-<file path=ppt/slides/slide13.xml><?xml version="1.0" encoding="utf-8"?>
+<file path=ppt/slides/slide14.xml><?xml version="1.0" encoding="utf-8"?>
 <p:sld xmlns:a="http://schemas.openxmlformats.org/drawingml/2006/main" xmlns:r="http://schemas.openxmlformats.org/officeDocument/2006/relationships" xmlns:p="http://schemas.openxmlformats.org/presentationml/2006/main">
   <p:cSld name="page13">
     <p:spTree>
@@ -6632,7 +7127,7 @@
 </p:sld>
 </file>
 
-<file path=ppt/slides/slide14.xml><?xml version="1.0" encoding="utf-8"?>
+<file path=ppt/slides/slide15.xml><?xml version="1.0" encoding="utf-8"?>
 <p:sld xmlns:a="http://schemas.openxmlformats.org/drawingml/2006/main" xmlns:r="http://schemas.openxmlformats.org/officeDocument/2006/relationships" xmlns:p="http://schemas.openxmlformats.org/presentationml/2006/main">
   <p:cSld name="page14">
     <p:spTree>
@@ -7003,7 +7498,7 @@
 </p:sld>
 </file>
 
-<file path=ppt/slides/slide15.xml><?xml version="1.0" encoding="utf-8"?>
+<file path=ppt/slides/slide16.xml><?xml version="1.0" encoding="utf-8"?>
 <p:sld xmlns:a="http://schemas.openxmlformats.org/drawingml/2006/main" xmlns:r="http://schemas.openxmlformats.org/officeDocument/2006/relationships" xmlns:p="http://schemas.openxmlformats.org/presentationml/2006/main">
   <p:cSld>
     <p:spTree>
@@ -7380,7 +7875,7 @@
 </p:sld>
 </file>
 
-<file path=ppt/slides/slide16.xml><?xml version="1.0" encoding="utf-8"?>
+<file path=ppt/slides/slide17.xml><?xml version="1.0" encoding="utf-8"?>
 <p:sld xmlns:a="http://schemas.openxmlformats.org/drawingml/2006/main" xmlns:r="http://schemas.openxmlformats.org/officeDocument/2006/relationships" xmlns:p="http://schemas.openxmlformats.org/presentationml/2006/main">
   <p:cSld name="page15">
     <p:spTree>
@@ -8698,14 +9193,11 @@
             <a:pPr lvl="1" rtl="0" hangingPunct="0"/>
             <a:r>
               <a:rPr lang="en-GB" dirty="0"/>
-              <a:t>Calculates the moments of</a:t>
-            </a:r>
-          </a:p>
-          <a:p>
-            <a:pPr lvl="1" rtl="0" hangingPunct="0"/>
-            <a:r>
-              <a:rPr lang="en-GB" dirty="0"/>
-              <a:t>an </a:t>
+              <a:t>Calculates the moments </a:t>
+            </a:r>
+            <a:r>
+              <a:rPr lang="en-GB" dirty="0" smtClean="0"/>
+              <a:t>of a </a:t>
             </a:r>
             <a:r>
               <a:rPr lang="en-GB" dirty="0" err="1"/>
@@ -8932,7 +9424,12 @@
             <p:ph type="body" idx="4294967295"/>
           </p:nvPr>
         </p:nvSpPr>
-        <p:spPr/>
+        <p:spPr>
+          <a:xfrm>
+            <a:off x="503999" y="1769040"/>
+            <a:ext cx="8568761" cy="4384800"/>
+          </a:xfrm>
+        </p:spPr>
         <p:txBody>
           <a:bodyPr/>
           <a:lstStyle>
@@ -9130,77 +9627,102 @@
           <a:p>
             <a:pPr lvl="0"/>
             <a:r>
-              <a:rPr lang="en-GB"/>
-              <a:t>Restructured to work more consistently with ConvFit and FuryFit.</a:t>
+              <a:rPr lang="en-GB" dirty="0"/>
+              <a:t>Restructured to work more consistently with </a:t>
+            </a:r>
+            <a:r>
+              <a:rPr lang="en-GB" dirty="0" err="1"/>
+              <a:t>ConvFit</a:t>
+            </a:r>
+            <a:r>
+              <a:rPr lang="en-GB" dirty="0"/>
+              <a:t> and </a:t>
+            </a:r>
+            <a:r>
+              <a:rPr lang="en-GB" dirty="0" err="1"/>
+              <a:t>FuryFit</a:t>
+            </a:r>
+            <a:r>
+              <a:rPr lang="en-GB" dirty="0"/>
+              <a:t>.</a:t>
             </a:r>
           </a:p>
           <a:p>
             <a:pPr lvl="1" rtl="0" hangingPunct="0"/>
             <a:r>
-              <a:rPr lang="en-GB"/>
-              <a:t>Plot spectrum selects which spectrum show in plot</a:t>
+              <a:rPr lang="en-GB" dirty="0"/>
+              <a:t>Plot spectrum selects which spectrum show in </a:t>
+            </a:r>
+            <a:r>
+              <a:rPr lang="en-GB" dirty="0" smtClean="0"/>
+              <a:t>plot</a:t>
             </a:r>
           </a:p>
           <a:p>
             <a:pPr lvl="1" rtl="0" hangingPunct="0"/>
             <a:r>
-              <a:rPr lang="en-GB"/>
-              <a:t>Single fit with</a:t>
+              <a:rPr lang="en-GB" dirty="0" smtClean="0"/>
+              <a:t>Single fit with run button.</a:t>
             </a:r>
           </a:p>
           <a:p>
             <a:pPr lvl="1" rtl="0" hangingPunct="0"/>
             <a:r>
-              <a:rPr lang="en-GB"/>
-              <a:t>run button.</a:t>
-            </a:r>
-          </a:p>
-          <a:p>
-            <a:pPr lvl="1" rtl="0" hangingPunct="0"/>
-            <a:r>
-              <a:rPr lang="en-GB"/>
-              <a:t>Sequential fit with</a:t>
-            </a:r>
-          </a:p>
-          <a:p>
-            <a:pPr lvl="1" rtl="0" hangingPunct="0"/>
-            <a:r>
-              <a:rPr lang="en-GB"/>
+              <a:rPr lang="en-GB" dirty="0" smtClean="0"/>
+              <a:t>Sequential fit with </a:t>
+            </a:r>
+          </a:p>
+          <a:p>
+            <a:pPr marL="971999" lvl="2" indent="0" rtl="0" hangingPunct="0">
+              <a:buNone/>
+            </a:pPr>
+            <a:r>
+              <a:rPr lang="en-GB" dirty="0" smtClean="0"/>
               <a:t>sequential fit button.</a:t>
             </a:r>
+            <a:endParaRPr lang="en-GB" dirty="0"/>
           </a:p>
         </p:txBody>
       </p:sp>
       <p:pic>
         <p:nvPicPr>
-          <p:cNvPr id="4" name="Picture 3"/>
+          <p:cNvPr id="1026" name="Picture 2" descr="File:MSDFit1.png"/>
           <p:cNvPicPr>
-            <a:picLocks noChangeAspect="1"/>
+            <a:picLocks noChangeAspect="1" noChangeArrowheads="1"/>
           </p:cNvPicPr>
           <p:nvPr/>
         </p:nvPicPr>
         <p:blipFill>
           <a:blip r:embed="rId3">
-            <a:lum/>
-            <a:alphaModFix/>
+            <a:extLst>
+              <a:ext uri="{28A0092B-C50C-407E-A947-70E740481C1C}">
+                <a14:useLocalDpi xmlns:a14="http://schemas.microsoft.com/office/drawing/2010/main" val="0"/>
+              </a:ext>
+            </a:extLst>
           </a:blip>
           <a:srcRect/>
           <a:stretch>
             <a:fillRect/>
           </a:stretch>
         </p:blipFill>
-        <p:spPr>
+        <p:spPr bwMode="auto">
           <a:xfrm>
-            <a:off x="4977000" y="3456000"/>
-            <a:ext cx="4527000" cy="3695400"/>
+            <a:off x="5472360" y="3715645"/>
+            <a:ext cx="4480036" cy="3476091"/>
           </a:xfrm>
           <a:prstGeom prst="rect">
             <a:avLst/>
           </a:prstGeom>
           <a:noFill/>
-          <a:ln>
-            <a:noFill/>
-          </a:ln>
+          <a:extLst>
+            <a:ext uri="{909E8E84-426E-40DD-AFC4-6F175D3DCCD1}">
+              <a14:hiddenFill xmlns:a14="http://schemas.microsoft.com/office/drawing/2010/main">
+                <a:solidFill>
+                  <a:srgbClr val="FFFFFF"/>
+                </a:solidFill>
+              </a14:hiddenFill>
+            </a:ext>
+          </a:extLst>
         </p:spPr>
       </p:pic>
     </p:spTree>
